--- a/doc/demo.pptx
+++ b/doc/demo.pptx
@@ -8,8 +8,11 @@
     <p:sldId id="256" r:id="rId2"/>
     <p:sldId id="257" r:id="rId3"/>
     <p:sldId id="258" r:id="rId4"/>
-    <p:sldId id="259" r:id="rId5"/>
-    <p:sldId id="260" r:id="rId6"/>
+    <p:sldId id="260" r:id="rId5"/>
+    <p:sldId id="259" r:id="rId6"/>
+    <p:sldId id="261" r:id="rId7"/>
+    <p:sldId id="262" r:id="rId8"/>
+    <p:sldId id="263" r:id="rId9"/>
   </p:sldIdLst>
   <p:sldSz cx="12192000" cy="6858000"/>
   <p:notesSz cx="6858000" cy="9144000"/>
@@ -108,6 +111,11 @@
       </a:defRPr>
     </a:lvl9pPr>
   </p:defaultTextStyle>
+  <p:extLst>
+    <p:ext uri="{EFAFB233-063F-42B5-8137-9DF3F51BA10A}">
+      <p15:sldGuideLst xmlns:p15="http://schemas.microsoft.com/office/powerpoint/2012/main"/>
+    </p:ext>
+  </p:extLst>
 </p:presentation>
 </file>
 
@@ -4387,7 +4395,7 @@
           <a:p>
             <a:fld id="{48A87A34-81AB-432B-8DAE-1953F412C126}" type="datetimeFigureOut">
               <a:rPr lang="en-US" dirty="0"/>
-              <a:t>2/1/2021</a:t>
+              <a:t>2/3/2021</a:t>
             </a:fld>
             <a:endParaRPr lang="en-US" dirty="0"/>
           </a:p>
@@ -4649,7 +4657,7 @@
           <a:p>
             <a:fld id="{48A87A34-81AB-432B-8DAE-1953F412C126}" type="datetimeFigureOut">
               <a:rPr lang="en-US" dirty="0"/>
-              <a:t>2/1/2021</a:t>
+              <a:t>2/3/2021</a:t>
             </a:fld>
             <a:endParaRPr lang="en-US" dirty="0"/>
           </a:p>
@@ -4840,7 +4848,7 @@
           <a:p>
             <a:fld id="{48A87A34-81AB-432B-8DAE-1953F412C126}" type="datetimeFigureOut">
               <a:rPr lang="en-US" dirty="0"/>
-              <a:t>2/1/2021</a:t>
+              <a:t>2/3/2021</a:t>
             </a:fld>
             <a:endParaRPr lang="en-US" dirty="0"/>
           </a:p>
@@ -5098,7 +5106,7 @@
           <a:p>
             <a:fld id="{48A87A34-81AB-432B-8DAE-1953F412C126}" type="datetimeFigureOut">
               <a:rPr lang="en-US" dirty="0"/>
-              <a:t>2/1/2021</a:t>
+              <a:t>2/3/2021</a:t>
             </a:fld>
             <a:endParaRPr lang="en-US" dirty="0"/>
           </a:p>
@@ -5527,7 +5535,7 @@
           <a:p>
             <a:fld id="{48A87A34-81AB-432B-8DAE-1953F412C126}" type="datetimeFigureOut">
               <a:rPr lang="en-US" dirty="0"/>
-              <a:t>2/1/2021</a:t>
+              <a:t>2/3/2021</a:t>
             </a:fld>
             <a:endParaRPr lang="en-US" dirty="0"/>
           </a:p>
@@ -6068,7 +6076,7 @@
           <a:p>
             <a:fld id="{48A87A34-81AB-432B-8DAE-1953F412C126}" type="datetimeFigureOut">
               <a:rPr lang="en-US" dirty="0"/>
-              <a:t>2/1/2021</a:t>
+              <a:t>2/3/2021</a:t>
             </a:fld>
             <a:endParaRPr lang="en-US" dirty="0"/>
           </a:p>
@@ -6783,7 +6791,7 @@
           <a:p>
             <a:fld id="{48A87A34-81AB-432B-8DAE-1953F412C126}" type="datetimeFigureOut">
               <a:rPr lang="en-US" dirty="0"/>
-              <a:t>2/1/2021</a:t>
+              <a:t>2/3/2021</a:t>
             </a:fld>
             <a:endParaRPr lang="en-US" dirty="0"/>
           </a:p>
@@ -6948,7 +6956,7 @@
           <a:p>
             <a:fld id="{48A87A34-81AB-432B-8DAE-1953F412C126}" type="datetimeFigureOut">
               <a:rPr lang="en-US" dirty="0"/>
-              <a:t>2/1/2021</a:t>
+              <a:t>2/3/2021</a:t>
             </a:fld>
             <a:endParaRPr lang="en-US" dirty="0"/>
           </a:p>
@@ -7123,7 +7131,7 @@
           <a:p>
             <a:fld id="{48A87A34-81AB-432B-8DAE-1953F412C126}" type="datetimeFigureOut">
               <a:rPr lang="en-US" dirty="0"/>
-              <a:t>2/1/2021</a:t>
+              <a:t>2/3/2021</a:t>
             </a:fld>
             <a:endParaRPr lang="en-US" dirty="0"/>
           </a:p>
@@ -7288,7 +7296,7 @@
           <a:p>
             <a:fld id="{48A87A34-81AB-432B-8DAE-1953F412C126}" type="datetimeFigureOut">
               <a:rPr lang="en-US" dirty="0"/>
-              <a:t>2/1/2021</a:t>
+              <a:t>2/3/2021</a:t>
             </a:fld>
             <a:endParaRPr lang="en-US" dirty="0"/>
           </a:p>
@@ -7533,7 +7541,7 @@
           <a:p>
             <a:fld id="{48A87A34-81AB-432B-8DAE-1953F412C126}" type="datetimeFigureOut">
               <a:rPr lang="en-US" dirty="0"/>
-              <a:t>2/1/2021</a:t>
+              <a:t>2/3/2021</a:t>
             </a:fld>
             <a:endParaRPr lang="en-US" dirty="0"/>
           </a:p>
@@ -7760,7 +7768,7 @@
           <a:p>
             <a:fld id="{48A87A34-81AB-432B-8DAE-1953F412C126}" type="datetimeFigureOut">
               <a:rPr lang="en-US" dirty="0"/>
-              <a:t>2/1/2021</a:t>
+              <a:t>2/3/2021</a:t>
             </a:fld>
             <a:endParaRPr lang="en-US" dirty="0"/>
           </a:p>
@@ -8136,7 +8144,7 @@
           <a:p>
             <a:fld id="{48A87A34-81AB-432B-8DAE-1953F412C126}" type="datetimeFigureOut">
               <a:rPr lang="en-US" dirty="0"/>
-              <a:t>2/1/2021</a:t>
+              <a:t>2/3/2021</a:t>
             </a:fld>
             <a:endParaRPr lang="en-US" dirty="0"/>
           </a:p>
@@ -8249,7 +8257,7 @@
           <a:p>
             <a:fld id="{48A87A34-81AB-432B-8DAE-1953F412C126}" type="datetimeFigureOut">
               <a:rPr lang="en-US" dirty="0"/>
-              <a:t>2/1/2021</a:t>
+              <a:t>2/3/2021</a:t>
             </a:fld>
             <a:endParaRPr lang="en-US" dirty="0"/>
           </a:p>
@@ -8339,7 +8347,7 @@
           <a:p>
             <a:fld id="{48A87A34-81AB-432B-8DAE-1953F412C126}" type="datetimeFigureOut">
               <a:rPr lang="en-US" dirty="0"/>
-              <a:t>2/1/2021</a:t>
+              <a:t>2/3/2021</a:t>
             </a:fld>
             <a:endParaRPr lang="en-US" dirty="0"/>
           </a:p>
@@ -8583,7 +8591,7 @@
           <a:p>
             <a:fld id="{48A87A34-81AB-432B-8DAE-1953F412C126}" type="datetimeFigureOut">
               <a:rPr lang="en-US" dirty="0"/>
-              <a:t>2/1/2021</a:t>
+              <a:t>2/3/2021</a:t>
             </a:fld>
             <a:endParaRPr lang="en-US" dirty="0"/>
           </a:p>
@@ -8858,7 +8866,7 @@
           <a:p>
             <a:fld id="{48A87A34-81AB-432B-8DAE-1953F412C126}" type="datetimeFigureOut">
               <a:rPr lang="en-US" dirty="0"/>
-              <a:t>2/1/2021</a:t>
+              <a:t>2/3/2021</a:t>
             </a:fld>
             <a:endParaRPr lang="en-US" dirty="0"/>
           </a:p>
@@ -11931,7 +11939,7 @@
             <a:fld id="{48A87A34-81AB-432B-8DAE-1953F412C126}" type="datetimeFigureOut">
               <a:rPr lang="en-US" dirty="0"/>
               <a:pPr/>
-              <a:t>2/1/2021</a:t>
+              <a:t>2/3/2021</a:t>
             </a:fld>
             <a:endParaRPr lang="en-US" dirty="0"/>
           </a:p>
@@ -12370,7 +12378,7 @@
           <a:p>
             <a:r>
               <a:rPr lang="en-US" dirty="0"/>
-              <a:t>ELSA Workflow Engine</a:t>
+              <a:t>Workflow Engine (ELSA)</a:t>
             </a:r>
           </a:p>
         </p:txBody>
@@ -13331,10 +13339,26 @@
             <p:ph idx="1"/>
           </p:nvPr>
         </p:nvSpPr>
-        <p:spPr/>
+        <p:spPr>
+          <a:xfrm>
+            <a:off x="1236662" y="1973730"/>
+            <a:ext cx="9905999" cy="3541714"/>
+          </a:xfrm>
+        </p:spPr>
         <p:txBody>
           <a:bodyPr/>
           <a:lstStyle/>
+          <a:p>
+            <a:r>
+              <a:rPr lang="en-US" dirty="0"/>
+              <a:t>Enforce collaboration between analysts and </a:t>
+            </a:r>
+            <a:r>
+              <a:rPr lang="en-US" dirty="0" err="1"/>
+              <a:t>devs</a:t>
+            </a:r>
+            <a:endParaRPr lang="en-US" dirty="0"/>
+          </a:p>
           <a:p>
             <a:r>
               <a:rPr lang="en-US" dirty="0"/>
@@ -13350,11 +13374,73 @@
           <a:p>
             <a:r>
               <a:rPr lang="en-US" dirty="0"/>
-              <a:t>Demo designer…</a:t>
+              <a:t>Let’s demo…</a:t>
             </a:r>
           </a:p>
         </p:txBody>
       </p:sp>
+      <p:pic>
+        <p:nvPicPr>
+          <p:cNvPr id="8" name="Picture 7">
+            <a:extLst>
+              <a:ext uri="{FF2B5EF4-FFF2-40B4-BE49-F238E27FC236}">
+                <a16:creationId xmlns:a16="http://schemas.microsoft.com/office/drawing/2014/main" id="{42A5A3F8-A1AD-4E1F-8A94-87EF3F25A3C2}"/>
+              </a:ext>
+            </a:extLst>
+          </p:cNvPr>
+          <p:cNvPicPr>
+            <a:picLocks noChangeAspect="1"/>
+          </p:cNvPicPr>
+          <p:nvPr/>
+        </p:nvPicPr>
+        <p:blipFill>
+          <a:blip r:embed="rId2"/>
+          <a:stretch>
+            <a:fillRect/>
+          </a:stretch>
+        </p:blipFill>
+        <p:spPr>
+          <a:xfrm>
+            <a:off x="1214191" y="1675931"/>
+            <a:ext cx="9833220" cy="5010758"/>
+          </a:xfrm>
+          <a:prstGeom prst="rect">
+            <a:avLst/>
+          </a:prstGeom>
+        </p:spPr>
+      </p:pic>
+      <p:pic>
+        <p:nvPicPr>
+          <p:cNvPr id="9" name="Picture 8">
+            <a:extLst>
+              <a:ext uri="{FF2B5EF4-FFF2-40B4-BE49-F238E27FC236}">
+                <a16:creationId xmlns:a16="http://schemas.microsoft.com/office/drawing/2014/main" id="{C54667B5-692E-4771-8229-85EDFAA24117}"/>
+              </a:ext>
+            </a:extLst>
+          </p:cNvPr>
+          <p:cNvPicPr>
+            <a:picLocks noChangeAspect="1"/>
+          </p:cNvPicPr>
+          <p:nvPr/>
+        </p:nvPicPr>
+        <p:blipFill>
+          <a:blip r:embed="rId2">
+            <a:alphaModFix amt="15000"/>
+          </a:blip>
+          <a:stretch>
+            <a:fillRect/>
+          </a:stretch>
+        </p:blipFill>
+        <p:spPr>
+          <a:xfrm>
+            <a:off x="1214191" y="1675931"/>
+            <a:ext cx="9833220" cy="5010758"/>
+          </a:xfrm>
+          <a:prstGeom prst="rect">
+            <a:avLst/>
+          </a:prstGeom>
+        </p:spPr>
+      </p:pic>
     </p:spTree>
     <p:extLst>
       <p:ext uri="{BB962C8B-B14F-4D97-AF65-F5344CB8AC3E}">
@@ -13386,7 +13472,7 @@
                             </p:stCondLst>
                             <p:childTnLst>
                               <p:par>
-                                <p:cTn id="5" presetID="1" presetClass="entr" presetSubtype="0" fill="hold" grpId="0" nodeType="clickEffect">
+                                <p:cTn id="5" presetID="1" presetClass="entr" presetSubtype="0" fill="hold" nodeType="clickEffect">
                                   <p:stCondLst>
                                     <p:cond delay="0"/>
                                   </p:stCondLst>
@@ -13399,11 +13485,7 @@
                                           </p:stCondLst>
                                         </p:cTn>
                                         <p:tgtEl>
-                                          <p:spTgt spid="3">
-                                            <p:txEl>
-                                              <p:pRg st="0" end="0"/>
-                                            </p:txEl>
-                                          </p:spTgt>
+                                          <p:spTgt spid="8"/>
                                         </p:tgtEl>
                                         <p:attrNameLst>
                                           <p:attrName>style.visibility</p:attrName>
@@ -13435,7 +13517,7 @@
                             </p:stCondLst>
                             <p:childTnLst>
                               <p:par>
-                                <p:cTn id="9" presetID="1" presetClass="entr" presetSubtype="0" fill="hold" grpId="0" nodeType="clickEffect">
+                                <p:cTn id="9" presetID="1" presetClass="exit" presetSubtype="0" fill="hold" nodeType="clickEffect">
                                   <p:stCondLst>
                                     <p:cond delay="0"/>
                                   </p:stCondLst>
@@ -13443,6 +13525,127 @@
                                     <p:set>
                                       <p:cBhvr>
                                         <p:cTn id="10" dur="1" fill="hold">
+                                          <p:stCondLst>
+                                            <p:cond delay="0"/>
+                                          </p:stCondLst>
+                                        </p:cTn>
+                                        <p:tgtEl>
+                                          <p:spTgt spid="8"/>
+                                        </p:tgtEl>
+                                        <p:attrNameLst>
+                                          <p:attrName>style.visibility</p:attrName>
+                                        </p:attrNameLst>
+                                      </p:cBhvr>
+                                      <p:to>
+                                        <p:strVal val="hidden"/>
+                                      </p:to>
+                                    </p:set>
+                                  </p:childTnLst>
+                                </p:cTn>
+                              </p:par>
+                              <p:par>
+                                <p:cTn id="11" presetID="1" presetClass="entr" presetSubtype="0" fill="hold" nodeType="withEffect">
+                                  <p:stCondLst>
+                                    <p:cond delay="0"/>
+                                  </p:stCondLst>
+                                  <p:childTnLst>
+                                    <p:set>
+                                      <p:cBhvr>
+                                        <p:cTn id="12" dur="1" fill="hold">
+                                          <p:stCondLst>
+                                            <p:cond delay="0"/>
+                                          </p:stCondLst>
+                                        </p:cTn>
+                                        <p:tgtEl>
+                                          <p:spTgt spid="9"/>
+                                        </p:tgtEl>
+                                        <p:attrNameLst>
+                                          <p:attrName>style.visibility</p:attrName>
+                                        </p:attrNameLst>
+                                      </p:cBhvr>
+                                      <p:to>
+                                        <p:strVal val="visible"/>
+                                      </p:to>
+                                    </p:set>
+                                  </p:childTnLst>
+                                </p:cTn>
+                              </p:par>
+                            </p:childTnLst>
+                          </p:cTn>
+                        </p:par>
+                      </p:childTnLst>
+                    </p:cTn>
+                  </p:par>
+                  <p:par>
+                    <p:cTn id="13" fill="hold">
+                      <p:stCondLst>
+                        <p:cond delay="indefinite"/>
+                      </p:stCondLst>
+                      <p:childTnLst>
+                        <p:par>
+                          <p:cTn id="14" fill="hold">
+                            <p:stCondLst>
+                              <p:cond delay="0"/>
+                            </p:stCondLst>
+                            <p:childTnLst>
+                              <p:par>
+                                <p:cTn id="15" presetID="1" presetClass="entr" presetSubtype="0" fill="hold" grpId="0" nodeType="clickEffect">
+                                  <p:stCondLst>
+                                    <p:cond delay="0"/>
+                                  </p:stCondLst>
+                                  <p:childTnLst>
+                                    <p:set>
+                                      <p:cBhvr>
+                                        <p:cTn id="16" dur="1" fill="hold">
+                                          <p:stCondLst>
+                                            <p:cond delay="0"/>
+                                          </p:stCondLst>
+                                        </p:cTn>
+                                        <p:tgtEl>
+                                          <p:spTgt spid="3">
+                                            <p:txEl>
+                                              <p:pRg st="0" end="0"/>
+                                            </p:txEl>
+                                          </p:spTgt>
+                                        </p:tgtEl>
+                                        <p:attrNameLst>
+                                          <p:attrName>style.visibility</p:attrName>
+                                        </p:attrNameLst>
+                                      </p:cBhvr>
+                                      <p:to>
+                                        <p:strVal val="visible"/>
+                                      </p:to>
+                                    </p:set>
+                                  </p:childTnLst>
+                                </p:cTn>
+                              </p:par>
+                            </p:childTnLst>
+                          </p:cTn>
+                        </p:par>
+                      </p:childTnLst>
+                    </p:cTn>
+                  </p:par>
+                  <p:par>
+                    <p:cTn id="17" fill="hold">
+                      <p:stCondLst>
+                        <p:cond delay="indefinite"/>
+                      </p:stCondLst>
+                      <p:childTnLst>
+                        <p:par>
+                          <p:cTn id="18" fill="hold">
+                            <p:stCondLst>
+                              <p:cond delay="0"/>
+                            </p:stCondLst>
+                            <p:childTnLst>
+                              <p:par>
+                                <p:cTn id="19" presetID="1" presetClass="entr" presetSubtype="0" fill="hold" grpId="0" nodeType="clickEffect">
+                                  <p:stCondLst>
+                                    <p:cond delay="0"/>
+                                  </p:stCondLst>
+                                  <p:childTnLst>
+                                    <p:set>
+                                      <p:cBhvr>
+                                        <p:cTn id="20" dur="1" fill="hold">
                                           <p:stCondLst>
                                             <p:cond delay="0"/>
                                           </p:stCondLst>
@@ -13472,19 +13675,988 @@
                     </p:cTn>
                   </p:par>
                   <p:par>
-                    <p:cTn id="11" fill="hold">
+                    <p:cTn id="21" fill="hold">
                       <p:stCondLst>
                         <p:cond delay="indefinite"/>
                       </p:stCondLst>
                       <p:childTnLst>
                         <p:par>
-                          <p:cTn id="12" fill="hold">
+                          <p:cTn id="22" fill="hold">
                             <p:stCondLst>
                               <p:cond delay="0"/>
                             </p:stCondLst>
                             <p:childTnLst>
                               <p:par>
-                                <p:cTn id="13" presetID="1" presetClass="entr" presetSubtype="0" fill="hold" grpId="0" nodeType="clickEffect">
+                                <p:cTn id="23" presetID="1" presetClass="entr" presetSubtype="0" fill="hold" grpId="0" nodeType="clickEffect">
+                                  <p:stCondLst>
+                                    <p:cond delay="0"/>
+                                  </p:stCondLst>
+                                  <p:childTnLst>
+                                    <p:set>
+                                      <p:cBhvr>
+                                        <p:cTn id="24" dur="1" fill="hold">
+                                          <p:stCondLst>
+                                            <p:cond delay="0"/>
+                                          </p:stCondLst>
+                                        </p:cTn>
+                                        <p:tgtEl>
+                                          <p:spTgt spid="3">
+                                            <p:txEl>
+                                              <p:pRg st="2" end="2"/>
+                                            </p:txEl>
+                                          </p:spTgt>
+                                        </p:tgtEl>
+                                        <p:attrNameLst>
+                                          <p:attrName>style.visibility</p:attrName>
+                                        </p:attrNameLst>
+                                      </p:cBhvr>
+                                      <p:to>
+                                        <p:strVal val="visible"/>
+                                      </p:to>
+                                    </p:set>
+                                  </p:childTnLst>
+                                </p:cTn>
+                              </p:par>
+                            </p:childTnLst>
+                          </p:cTn>
+                        </p:par>
+                      </p:childTnLst>
+                    </p:cTn>
+                  </p:par>
+                  <p:par>
+                    <p:cTn id="25" fill="hold">
+                      <p:stCondLst>
+                        <p:cond delay="indefinite"/>
+                      </p:stCondLst>
+                      <p:childTnLst>
+                        <p:par>
+                          <p:cTn id="26" fill="hold">
+                            <p:stCondLst>
+                              <p:cond delay="0"/>
+                            </p:stCondLst>
+                            <p:childTnLst>
+                              <p:par>
+                                <p:cTn id="27" presetID="1" presetClass="entr" presetSubtype="0" fill="hold" grpId="0" nodeType="clickEffect">
+                                  <p:stCondLst>
+                                    <p:cond delay="0"/>
+                                  </p:stCondLst>
+                                  <p:childTnLst>
+                                    <p:set>
+                                      <p:cBhvr>
+                                        <p:cTn id="28" dur="1" fill="hold">
+                                          <p:stCondLst>
+                                            <p:cond delay="0"/>
+                                          </p:stCondLst>
+                                        </p:cTn>
+                                        <p:tgtEl>
+                                          <p:spTgt spid="3">
+                                            <p:txEl>
+                                              <p:pRg st="3" end="3"/>
+                                            </p:txEl>
+                                          </p:spTgt>
+                                        </p:tgtEl>
+                                        <p:attrNameLst>
+                                          <p:attrName>style.visibility</p:attrName>
+                                        </p:attrNameLst>
+                                      </p:cBhvr>
+                                      <p:to>
+                                        <p:strVal val="visible"/>
+                                      </p:to>
+                                    </p:set>
+                                  </p:childTnLst>
+                                </p:cTn>
+                              </p:par>
+                            </p:childTnLst>
+                          </p:cTn>
+                        </p:par>
+                      </p:childTnLst>
+                    </p:cTn>
+                  </p:par>
+                </p:childTnLst>
+              </p:cTn>
+              <p:prevCondLst>
+                <p:cond evt="onPrev" delay="0">
+                  <p:tgtEl>
+                    <p:sldTgt/>
+                  </p:tgtEl>
+                </p:cond>
+              </p:prevCondLst>
+              <p:nextCondLst>
+                <p:cond evt="onNext" delay="0">
+                  <p:tgtEl>
+                    <p:sldTgt/>
+                  </p:tgtEl>
+                </p:cond>
+              </p:nextCondLst>
+            </p:seq>
+          </p:childTnLst>
+        </p:cTn>
+      </p:par>
+    </p:tnLst>
+    <p:bldLst>
+      <p:bldP spid="3" grpId="0" uiExpand="1" build="p"/>
+    </p:bldLst>
+  </p:timing>
+</p:sld>
+</file>
+
+<file path=ppt/slides/slide4.xml><?xml version="1.0" encoding="utf-8"?>
+<p:sld xmlns:a="http://schemas.openxmlformats.org/drawingml/2006/main" xmlns:r="http://schemas.openxmlformats.org/officeDocument/2006/relationships" xmlns:p="http://schemas.openxmlformats.org/presentationml/2006/main">
+  <p:cSld>
+    <p:spTree>
+      <p:nvGrpSpPr>
+        <p:cNvPr id="1" name=""/>
+        <p:cNvGrpSpPr/>
+        <p:nvPr/>
+      </p:nvGrpSpPr>
+      <p:grpSpPr>
+        <a:xfrm>
+          <a:off x="0" y="0"/>
+          <a:ext cx="0" cy="0"/>
+          <a:chOff x="0" y="0"/>
+          <a:chExt cx="0" cy="0"/>
+        </a:xfrm>
+      </p:grpSpPr>
+      <p:sp>
+        <p:nvSpPr>
+          <p:cNvPr id="2" name="Title 1">
+            <a:extLst>
+              <a:ext uri="{FF2B5EF4-FFF2-40B4-BE49-F238E27FC236}">
+                <a16:creationId xmlns:a16="http://schemas.microsoft.com/office/drawing/2014/main" id="{BDA77F83-04A6-4AC1-A973-4071C0D8747A}"/>
+              </a:ext>
+            </a:extLst>
+          </p:cNvPr>
+          <p:cNvSpPr>
+            <a:spLocks noGrp="1"/>
+          </p:cNvSpPr>
+          <p:nvPr>
+            <p:ph type="title"/>
+          </p:nvPr>
+        </p:nvSpPr>
+        <p:spPr/>
+        <p:txBody>
+          <a:bodyPr/>
+          <a:lstStyle/>
+          <a:p>
+            <a:r>
+              <a:rPr lang="en-US" dirty="0"/>
+              <a:t>START/RESUME workflow (in this POC)</a:t>
+            </a:r>
+          </a:p>
+        </p:txBody>
+      </p:sp>
+      <p:pic>
+        <p:nvPicPr>
+          <p:cNvPr id="9" name="Graphic 8" descr="Database with solid fill">
+            <a:extLst>
+              <a:ext uri="{FF2B5EF4-FFF2-40B4-BE49-F238E27FC236}">
+                <a16:creationId xmlns:a16="http://schemas.microsoft.com/office/drawing/2014/main" id="{574557F2-5694-49A0-948B-904C8411D2D6}"/>
+              </a:ext>
+            </a:extLst>
+          </p:cNvPr>
+          <p:cNvPicPr>
+            <a:picLocks noChangeAspect="1"/>
+          </p:cNvPicPr>
+          <p:nvPr/>
+        </p:nvPicPr>
+        <p:blipFill>
+          <a:blip r:embed="rId2">
+            <a:extLst>
+              <a:ext uri="{96DAC541-7B7A-43D3-8B79-37D633B846F1}">
+                <asvg:svgBlip xmlns:asvg="http://schemas.microsoft.com/office/drawing/2016/SVG/main" r:embed="rId3"/>
+              </a:ext>
+            </a:extLst>
+          </a:blip>
+          <a:stretch>
+            <a:fillRect/>
+          </a:stretch>
+        </p:blipFill>
+        <p:spPr>
+          <a:xfrm>
+            <a:off x="5131266" y="5186494"/>
+            <a:ext cx="914400" cy="914400"/>
+          </a:xfrm>
+          <a:prstGeom prst="rect">
+            <a:avLst/>
+          </a:prstGeom>
+        </p:spPr>
+      </p:pic>
+      <p:cxnSp>
+        <p:nvCxnSpPr>
+          <p:cNvPr id="13" name="Straight Arrow Connector 12">
+            <a:extLst>
+              <a:ext uri="{FF2B5EF4-FFF2-40B4-BE49-F238E27FC236}">
+                <a16:creationId xmlns:a16="http://schemas.microsoft.com/office/drawing/2014/main" id="{D8C12A16-EE64-4A35-B9A4-CAB3D946E1CC}"/>
+              </a:ext>
+            </a:extLst>
+          </p:cNvPr>
+          <p:cNvCxnSpPr>
+            <a:cxnSpLocks/>
+            <a:stCxn id="4" idx="2"/>
+          </p:cNvCxnSpPr>
+          <p:nvPr/>
+        </p:nvCxnSpPr>
+        <p:spPr>
+          <a:xfrm>
+            <a:off x="4114800" y="3993160"/>
+            <a:ext cx="1228987" cy="1300293"/>
+          </a:xfrm>
+          <a:prstGeom prst="straightConnector1">
+            <a:avLst/>
+          </a:prstGeom>
+          <a:ln>
+            <a:headEnd type="triangle"/>
+            <a:tailEnd type="triangle"/>
+          </a:ln>
+        </p:spPr>
+        <p:style>
+          <a:lnRef idx="1">
+            <a:schemeClr val="accent1"/>
+          </a:lnRef>
+          <a:fillRef idx="0">
+            <a:schemeClr val="accent1"/>
+          </a:fillRef>
+          <a:effectRef idx="0">
+            <a:schemeClr val="accent1"/>
+          </a:effectRef>
+          <a:fontRef idx="minor">
+            <a:schemeClr val="tx1"/>
+          </a:fontRef>
+        </p:style>
+      </p:cxnSp>
+      <p:cxnSp>
+        <p:nvCxnSpPr>
+          <p:cNvPr id="19" name="Straight Arrow Connector 18">
+            <a:extLst>
+              <a:ext uri="{FF2B5EF4-FFF2-40B4-BE49-F238E27FC236}">
+                <a16:creationId xmlns:a16="http://schemas.microsoft.com/office/drawing/2014/main" id="{E6096BDD-0F71-4795-96AB-9858C6B0920A}"/>
+              </a:ext>
+            </a:extLst>
+          </p:cNvPr>
+          <p:cNvCxnSpPr>
+            <a:stCxn id="15" idx="2"/>
+          </p:cNvCxnSpPr>
+          <p:nvPr/>
+        </p:nvCxnSpPr>
+        <p:spPr>
+          <a:xfrm flipH="1">
+            <a:off x="5827553" y="4001548"/>
+            <a:ext cx="1027651" cy="1291905"/>
+          </a:xfrm>
+          <a:prstGeom prst="straightConnector1">
+            <a:avLst/>
+          </a:prstGeom>
+          <a:ln>
+            <a:headEnd type="triangle"/>
+            <a:tailEnd type="triangle"/>
+          </a:ln>
+        </p:spPr>
+        <p:style>
+          <a:lnRef idx="1">
+            <a:schemeClr val="accent1"/>
+          </a:lnRef>
+          <a:fillRef idx="0">
+            <a:schemeClr val="accent1"/>
+          </a:fillRef>
+          <a:effectRef idx="0">
+            <a:schemeClr val="accent1"/>
+          </a:effectRef>
+          <a:fontRef idx="minor">
+            <a:schemeClr val="tx1"/>
+          </a:fontRef>
+        </p:style>
+      </p:cxnSp>
+      <p:sp>
+        <p:nvSpPr>
+          <p:cNvPr id="20" name="TextBox 19">
+            <a:extLst>
+              <a:ext uri="{FF2B5EF4-FFF2-40B4-BE49-F238E27FC236}">
+                <a16:creationId xmlns:a16="http://schemas.microsoft.com/office/drawing/2014/main" id="{673747D3-BA70-4982-8FEA-2EFAD87EDEAD}"/>
+              </a:ext>
+            </a:extLst>
+          </p:cNvPr>
+          <p:cNvSpPr txBox="1"/>
+          <p:nvPr/>
+        </p:nvSpPr>
+        <p:spPr>
+          <a:xfrm>
+            <a:off x="5013821" y="6054816"/>
+            <a:ext cx="1189749" cy="369332"/>
+          </a:xfrm>
+          <a:prstGeom prst="rect">
+            <a:avLst/>
+          </a:prstGeom>
+          <a:noFill/>
+        </p:spPr>
+        <p:txBody>
+          <a:bodyPr wrap="none" rtlCol="0">
+            <a:spAutoFit/>
+          </a:bodyPr>
+          <a:lstStyle/>
+          <a:p>
+            <a:r>
+              <a:rPr lang="en-US" dirty="0" err="1"/>
+              <a:t>MyApp</a:t>
+            </a:r>
+            <a:r>
+              <a:rPr lang="en-US" dirty="0"/>
+              <a:t> DB</a:t>
+            </a:r>
+          </a:p>
+        </p:txBody>
+      </p:sp>
+      <p:grpSp>
+        <p:nvGrpSpPr>
+          <p:cNvPr id="5" name="Group 4">
+            <a:extLst>
+              <a:ext uri="{FF2B5EF4-FFF2-40B4-BE49-F238E27FC236}">
+                <a16:creationId xmlns:a16="http://schemas.microsoft.com/office/drawing/2014/main" id="{50C4BB2B-C724-483E-B047-F9DF41F1BE32}"/>
+              </a:ext>
+            </a:extLst>
+          </p:cNvPr>
+          <p:cNvGrpSpPr/>
+          <p:nvPr/>
+        </p:nvGrpSpPr>
+        <p:grpSpPr>
+          <a:xfrm>
+            <a:off x="3028426" y="2684477"/>
+            <a:ext cx="2172748" cy="1308683"/>
+            <a:chOff x="3028426" y="2684477"/>
+            <a:chExt cx="2172748" cy="1308683"/>
+          </a:xfrm>
+        </p:grpSpPr>
+        <p:sp>
+          <p:nvSpPr>
+            <p:cNvPr id="4" name="Rectangle 3">
+              <a:extLst>
+                <a:ext uri="{FF2B5EF4-FFF2-40B4-BE49-F238E27FC236}">
+                  <a16:creationId xmlns:a16="http://schemas.microsoft.com/office/drawing/2014/main" id="{A3B0D33D-D649-47D1-945D-DAC024031704}"/>
+                </a:ext>
+              </a:extLst>
+            </p:cNvPr>
+            <p:cNvSpPr/>
+            <p:nvPr/>
+          </p:nvSpPr>
+          <p:spPr>
+            <a:xfrm>
+              <a:off x="3028426" y="2684477"/>
+              <a:ext cx="2172748" cy="1308683"/>
+            </a:xfrm>
+            <a:prstGeom prst="rect">
+              <a:avLst/>
+            </a:prstGeom>
+          </p:spPr>
+          <p:style>
+            <a:lnRef idx="2">
+              <a:schemeClr val="accent5">
+                <a:shade val="50000"/>
+              </a:schemeClr>
+            </a:lnRef>
+            <a:fillRef idx="1">
+              <a:schemeClr val="accent5"/>
+            </a:fillRef>
+            <a:effectRef idx="0">
+              <a:schemeClr val="accent5"/>
+            </a:effectRef>
+            <a:fontRef idx="minor">
+              <a:schemeClr val="lt1"/>
+            </a:fontRef>
+          </p:style>
+          <p:txBody>
+            <a:bodyPr rtlCol="0" anchor="t"/>
+            <a:lstStyle/>
+            <a:p>
+              <a:pPr algn="ctr"/>
+              <a:r>
+                <a:rPr lang="en-US" dirty="0" err="1"/>
+                <a:t>MyApp</a:t>
+              </a:r>
+              <a:r>
+                <a:rPr lang="en-US" dirty="0"/>
+                <a:t> REST API</a:t>
+              </a:r>
+              <a:br>
+                <a:rPr lang="en-US" dirty="0"/>
+              </a:br>
+              <a:endParaRPr lang="en-US" dirty="0"/>
+            </a:p>
+          </p:txBody>
+        </p:sp>
+        <p:sp>
+          <p:nvSpPr>
+            <p:cNvPr id="6" name="Rectangle 5">
+              <a:extLst>
+                <a:ext uri="{FF2B5EF4-FFF2-40B4-BE49-F238E27FC236}">
+                  <a16:creationId xmlns:a16="http://schemas.microsoft.com/office/drawing/2014/main" id="{039127BA-FDA2-476D-A582-E9192AF82B04}"/>
+                </a:ext>
+              </a:extLst>
+            </p:cNvPr>
+            <p:cNvSpPr/>
+            <p:nvPr/>
+          </p:nvSpPr>
+          <p:spPr>
+            <a:xfrm>
+              <a:off x="3087149" y="3020037"/>
+              <a:ext cx="2055302" cy="914400"/>
+            </a:xfrm>
+            <a:prstGeom prst="rect">
+              <a:avLst/>
+            </a:prstGeom>
+          </p:spPr>
+          <p:style>
+            <a:lnRef idx="2">
+              <a:schemeClr val="accent1">
+                <a:shade val="50000"/>
+              </a:schemeClr>
+            </a:lnRef>
+            <a:fillRef idx="1">
+              <a:schemeClr val="accent1"/>
+            </a:fillRef>
+            <a:effectRef idx="0">
+              <a:schemeClr val="accent1"/>
+            </a:effectRef>
+            <a:fontRef idx="minor">
+              <a:schemeClr val="lt1"/>
+            </a:fontRef>
+          </p:style>
+          <p:txBody>
+            <a:bodyPr rtlCol="0" anchor="t"/>
+            <a:lstStyle/>
+            <a:p>
+              <a:r>
+                <a:rPr lang="en-US" sz="1200" dirty="0"/>
+                <a:t>ASP.NET CORE</a:t>
+              </a:r>
+            </a:p>
+          </p:txBody>
+        </p:sp>
+        <p:sp>
+          <p:nvSpPr>
+            <p:cNvPr id="7" name="Rectangle 6">
+              <a:extLst>
+                <a:ext uri="{FF2B5EF4-FFF2-40B4-BE49-F238E27FC236}">
+                  <a16:creationId xmlns:a16="http://schemas.microsoft.com/office/drawing/2014/main" id="{E4AF4435-A077-48CA-84A7-91ABB519CE99}"/>
+                </a:ext>
+              </a:extLst>
+            </p:cNvPr>
+            <p:cNvSpPr/>
+            <p:nvPr/>
+          </p:nvSpPr>
+          <p:spPr>
+            <a:xfrm>
+              <a:off x="3854741" y="3343012"/>
+              <a:ext cx="1226192" cy="453006"/>
+            </a:xfrm>
+            <a:prstGeom prst="rect">
+              <a:avLst/>
+            </a:prstGeom>
+          </p:spPr>
+          <p:style>
+            <a:lnRef idx="2">
+              <a:schemeClr val="accent2">
+                <a:shade val="50000"/>
+              </a:schemeClr>
+            </a:lnRef>
+            <a:fillRef idx="1">
+              <a:schemeClr val="accent2"/>
+            </a:fillRef>
+            <a:effectRef idx="0">
+              <a:schemeClr val="accent2"/>
+            </a:effectRef>
+            <a:fontRef idx="minor">
+              <a:schemeClr val="lt1"/>
+            </a:fontRef>
+          </p:style>
+          <p:txBody>
+            <a:bodyPr rtlCol="0" anchor="ctr"/>
+            <a:lstStyle/>
+            <a:p>
+              <a:pPr algn="ctr"/>
+              <a:r>
+                <a:rPr lang="en-US" sz="1200" dirty="0"/>
+                <a:t>Workflow </a:t>
+              </a:r>
+              <a:r>
+                <a:rPr lang="en-US" sz="1200" dirty="0" err="1"/>
+                <a:t>Nuget</a:t>
+              </a:r>
+              <a:r>
+                <a:rPr lang="en-US" sz="1200" dirty="0"/>
+                <a:t> Packages</a:t>
+              </a:r>
+            </a:p>
+          </p:txBody>
+        </p:sp>
+        <p:sp>
+          <p:nvSpPr>
+            <p:cNvPr id="18" name="Rectangle 17">
+              <a:extLst>
+                <a:ext uri="{FF2B5EF4-FFF2-40B4-BE49-F238E27FC236}">
+                  <a16:creationId xmlns:a16="http://schemas.microsoft.com/office/drawing/2014/main" id="{BCE3997A-900B-4CEB-AE29-D443B259C743}"/>
+                </a:ext>
+              </a:extLst>
+            </p:cNvPr>
+            <p:cNvSpPr/>
+            <p:nvPr/>
+          </p:nvSpPr>
+          <p:spPr>
+            <a:xfrm>
+              <a:off x="3154260" y="3348604"/>
+              <a:ext cx="633369" cy="453006"/>
+            </a:xfrm>
+            <a:prstGeom prst="rect">
+              <a:avLst/>
+            </a:prstGeom>
+          </p:spPr>
+          <p:style>
+            <a:lnRef idx="2">
+              <a:schemeClr val="accent2">
+                <a:shade val="50000"/>
+              </a:schemeClr>
+            </a:lnRef>
+            <a:fillRef idx="1">
+              <a:schemeClr val="accent2"/>
+            </a:fillRef>
+            <a:effectRef idx="0">
+              <a:schemeClr val="accent2"/>
+            </a:effectRef>
+            <a:fontRef idx="minor">
+              <a:schemeClr val="lt1"/>
+            </a:fontRef>
+          </p:style>
+          <p:txBody>
+            <a:bodyPr rtlCol="0" anchor="ctr"/>
+            <a:lstStyle/>
+            <a:p>
+              <a:pPr algn="ctr"/>
+              <a:r>
+                <a:rPr lang="en-US" sz="1200" dirty="0"/>
+                <a:t>EF Core</a:t>
+              </a:r>
+            </a:p>
+          </p:txBody>
+        </p:sp>
+      </p:grpSp>
+      <p:grpSp>
+        <p:nvGrpSpPr>
+          <p:cNvPr id="11" name="Group 10">
+            <a:extLst>
+              <a:ext uri="{FF2B5EF4-FFF2-40B4-BE49-F238E27FC236}">
+                <a16:creationId xmlns:a16="http://schemas.microsoft.com/office/drawing/2014/main" id="{57B478B4-9009-4E16-A4A3-7843C305D92C}"/>
+              </a:ext>
+            </a:extLst>
+          </p:cNvPr>
+          <p:cNvGrpSpPr/>
+          <p:nvPr/>
+        </p:nvGrpSpPr>
+        <p:grpSpPr>
+          <a:xfrm>
+            <a:off x="5768830" y="2692865"/>
+            <a:ext cx="2172748" cy="1308683"/>
+            <a:chOff x="5768830" y="2692865"/>
+            <a:chExt cx="2172748" cy="1308683"/>
+          </a:xfrm>
+        </p:grpSpPr>
+        <p:sp>
+          <p:nvSpPr>
+            <p:cNvPr id="15" name="Rectangle 14">
+              <a:extLst>
+                <a:ext uri="{FF2B5EF4-FFF2-40B4-BE49-F238E27FC236}">
+                  <a16:creationId xmlns:a16="http://schemas.microsoft.com/office/drawing/2014/main" id="{7D8C0B2C-2455-4039-9C99-133FB005A6A7}"/>
+                </a:ext>
+              </a:extLst>
+            </p:cNvPr>
+            <p:cNvSpPr/>
+            <p:nvPr/>
+          </p:nvSpPr>
+          <p:spPr>
+            <a:xfrm>
+              <a:off x="5768830" y="2692865"/>
+              <a:ext cx="2172748" cy="1308683"/>
+            </a:xfrm>
+            <a:prstGeom prst="rect">
+              <a:avLst/>
+            </a:prstGeom>
+          </p:spPr>
+          <p:style>
+            <a:lnRef idx="2">
+              <a:schemeClr val="accent5">
+                <a:shade val="50000"/>
+              </a:schemeClr>
+            </a:lnRef>
+            <a:fillRef idx="1">
+              <a:schemeClr val="accent5"/>
+            </a:fillRef>
+            <a:effectRef idx="0">
+              <a:schemeClr val="accent5"/>
+            </a:effectRef>
+            <a:fontRef idx="minor">
+              <a:schemeClr val="lt1"/>
+            </a:fontRef>
+          </p:style>
+          <p:txBody>
+            <a:bodyPr rtlCol="0" anchor="t"/>
+            <a:lstStyle/>
+            <a:p>
+              <a:pPr algn="ctr"/>
+              <a:r>
+                <a:rPr lang="en-US" dirty="0"/>
+                <a:t>Workflow Designer</a:t>
+              </a:r>
+            </a:p>
+          </p:txBody>
+        </p:sp>
+        <p:sp>
+          <p:nvSpPr>
+            <p:cNvPr id="16" name="Rectangle 15">
+              <a:extLst>
+                <a:ext uri="{FF2B5EF4-FFF2-40B4-BE49-F238E27FC236}">
+                  <a16:creationId xmlns:a16="http://schemas.microsoft.com/office/drawing/2014/main" id="{A8945EC4-2063-4DCF-A67E-608CF4722A6A}"/>
+                </a:ext>
+              </a:extLst>
+            </p:cNvPr>
+            <p:cNvSpPr/>
+            <p:nvPr/>
+          </p:nvSpPr>
+          <p:spPr>
+            <a:xfrm>
+              <a:off x="5827553" y="3028425"/>
+              <a:ext cx="2055302" cy="914400"/>
+            </a:xfrm>
+            <a:prstGeom prst="rect">
+              <a:avLst/>
+            </a:prstGeom>
+          </p:spPr>
+          <p:style>
+            <a:lnRef idx="2">
+              <a:schemeClr val="accent1">
+                <a:shade val="50000"/>
+              </a:schemeClr>
+            </a:lnRef>
+            <a:fillRef idx="1">
+              <a:schemeClr val="accent1"/>
+            </a:fillRef>
+            <a:effectRef idx="0">
+              <a:schemeClr val="accent1"/>
+            </a:effectRef>
+            <a:fontRef idx="minor">
+              <a:schemeClr val="lt1"/>
+            </a:fontRef>
+          </p:style>
+          <p:txBody>
+            <a:bodyPr rtlCol="0" anchor="t"/>
+            <a:lstStyle/>
+            <a:p>
+              <a:r>
+                <a:rPr lang="en-US" sz="1200" dirty="0"/>
+                <a:t>ASP.NET CORE</a:t>
+              </a:r>
+            </a:p>
+          </p:txBody>
+        </p:sp>
+        <p:sp>
+          <p:nvSpPr>
+            <p:cNvPr id="17" name="Rectangle 16">
+              <a:extLst>
+                <a:ext uri="{FF2B5EF4-FFF2-40B4-BE49-F238E27FC236}">
+                  <a16:creationId xmlns:a16="http://schemas.microsoft.com/office/drawing/2014/main" id="{DB33E53A-FDB5-4C6A-9130-EAC623E3E8DC}"/>
+                </a:ext>
+              </a:extLst>
+            </p:cNvPr>
+            <p:cNvSpPr/>
+            <p:nvPr/>
+          </p:nvSpPr>
+          <p:spPr>
+            <a:xfrm>
+              <a:off x="6610525" y="3365002"/>
+              <a:ext cx="1213608" cy="453006"/>
+            </a:xfrm>
+            <a:prstGeom prst="rect">
+              <a:avLst/>
+            </a:prstGeom>
+          </p:spPr>
+          <p:style>
+            <a:lnRef idx="2">
+              <a:schemeClr val="accent2">
+                <a:shade val="50000"/>
+              </a:schemeClr>
+            </a:lnRef>
+            <a:fillRef idx="1">
+              <a:schemeClr val="accent2"/>
+            </a:fillRef>
+            <a:effectRef idx="0">
+              <a:schemeClr val="accent2"/>
+            </a:effectRef>
+            <a:fontRef idx="minor">
+              <a:schemeClr val="lt1"/>
+            </a:fontRef>
+          </p:style>
+          <p:txBody>
+            <a:bodyPr rtlCol="0" anchor="ctr"/>
+            <a:lstStyle/>
+            <a:p>
+              <a:pPr algn="ctr"/>
+              <a:r>
+                <a:rPr lang="en-US" sz="1200" dirty="0"/>
+                <a:t>Workflow </a:t>
+              </a:r>
+              <a:r>
+                <a:rPr lang="en-US" sz="1200" dirty="0" err="1"/>
+                <a:t>Nuget</a:t>
+              </a:r>
+              <a:r>
+                <a:rPr lang="en-US" sz="1200" dirty="0"/>
+                <a:t> Packages</a:t>
+              </a:r>
+            </a:p>
+          </p:txBody>
+        </p:sp>
+        <p:sp>
+          <p:nvSpPr>
+            <p:cNvPr id="21" name="Rectangle 20">
+              <a:extLst>
+                <a:ext uri="{FF2B5EF4-FFF2-40B4-BE49-F238E27FC236}">
+                  <a16:creationId xmlns:a16="http://schemas.microsoft.com/office/drawing/2014/main" id="{EC5A37DA-E022-4063-B368-CFDE35512C77}"/>
+                </a:ext>
+              </a:extLst>
+            </p:cNvPr>
+            <p:cNvSpPr/>
+            <p:nvPr/>
+          </p:nvSpPr>
+          <p:spPr>
+            <a:xfrm>
+              <a:off x="5910043" y="3365002"/>
+              <a:ext cx="633369" cy="453006"/>
+            </a:xfrm>
+            <a:prstGeom prst="rect">
+              <a:avLst/>
+            </a:prstGeom>
+          </p:spPr>
+          <p:style>
+            <a:lnRef idx="2">
+              <a:schemeClr val="accent2">
+                <a:shade val="50000"/>
+              </a:schemeClr>
+            </a:lnRef>
+            <a:fillRef idx="1">
+              <a:schemeClr val="accent2"/>
+            </a:fillRef>
+            <a:effectRef idx="0">
+              <a:schemeClr val="accent2"/>
+            </a:effectRef>
+            <a:fontRef idx="minor">
+              <a:schemeClr val="lt1"/>
+            </a:fontRef>
+          </p:style>
+          <p:txBody>
+            <a:bodyPr rtlCol="0" anchor="ctr"/>
+            <a:lstStyle/>
+            <a:p>
+              <a:pPr algn="ctr"/>
+              <a:r>
+                <a:rPr lang="en-US" sz="1200" dirty="0"/>
+                <a:t>EF Core</a:t>
+              </a:r>
+            </a:p>
+          </p:txBody>
+        </p:sp>
+      </p:grpSp>
+      <p:pic>
+        <p:nvPicPr>
+          <p:cNvPr id="26" name="Picture 25">
+            <a:extLst>
+              <a:ext uri="{FF2B5EF4-FFF2-40B4-BE49-F238E27FC236}">
+                <a16:creationId xmlns:a16="http://schemas.microsoft.com/office/drawing/2014/main" id="{6F19D373-A943-454B-9F0F-602C2E711573}"/>
+              </a:ext>
+            </a:extLst>
+          </p:cNvPr>
+          <p:cNvPicPr>
+            <a:picLocks noChangeAspect="1"/>
+          </p:cNvPicPr>
+          <p:nvPr/>
+        </p:nvPicPr>
+        <p:blipFill>
+          <a:blip r:embed="rId4"/>
+          <a:stretch>
+            <a:fillRect/>
+          </a:stretch>
+        </p:blipFill>
+        <p:spPr>
+          <a:xfrm>
+            <a:off x="6321015" y="5129344"/>
+            <a:ext cx="2152650" cy="1028700"/>
+          </a:xfrm>
+          <a:prstGeom prst="rect">
+            <a:avLst/>
+          </a:prstGeom>
+        </p:spPr>
+      </p:pic>
+      <p:sp>
+        <p:nvSpPr>
+          <p:cNvPr id="27" name="TextBox 26">
+            <a:extLst>
+              <a:ext uri="{FF2B5EF4-FFF2-40B4-BE49-F238E27FC236}">
+                <a16:creationId xmlns:a16="http://schemas.microsoft.com/office/drawing/2014/main" id="{4AF2ECC6-7755-4475-A7B9-3913D514A082}"/>
+              </a:ext>
+            </a:extLst>
+          </p:cNvPr>
+          <p:cNvSpPr txBox="1"/>
+          <p:nvPr/>
+        </p:nvSpPr>
+        <p:spPr>
+          <a:xfrm>
+            <a:off x="3499906" y="4420550"/>
+            <a:ext cx="2085764" cy="338554"/>
+          </a:xfrm>
+          <a:prstGeom prst="rect">
+            <a:avLst/>
+          </a:prstGeom>
+          <a:noFill/>
+        </p:spPr>
+        <p:txBody>
+          <a:bodyPr wrap="none" rtlCol="0">
+            <a:spAutoFit/>
+          </a:bodyPr>
+          <a:lstStyle/>
+          <a:p>
+            <a:r>
+              <a:rPr lang="en-US" sz="1600" dirty="0"/>
+              <a:t>Start/Resume workflow</a:t>
+            </a:r>
+          </a:p>
+        </p:txBody>
+      </p:sp>
+    </p:spTree>
+    <p:extLst>
+      <p:ext uri="{BB962C8B-B14F-4D97-AF65-F5344CB8AC3E}">
+        <p14:creationId xmlns:p14="http://schemas.microsoft.com/office/powerpoint/2010/main" val="2931018304"/>
+      </p:ext>
+    </p:extLst>
+  </p:cSld>
+  <p:clrMapOvr>
+    <a:masterClrMapping/>
+  </p:clrMapOvr>
+  <p:timing>
+    <p:tnLst>
+      <p:par>
+        <p:cTn id="1" dur="indefinite" restart="never" nodeType="tmRoot">
+          <p:childTnLst>
+            <p:seq concurrent="1" nextAc="seek">
+              <p:cTn id="2" dur="indefinite" nodeType="mainSeq">
+                <p:childTnLst>
+                  <p:par>
+                    <p:cTn id="3" fill="hold">
+                      <p:stCondLst>
+                        <p:cond delay="indefinite"/>
+                      </p:stCondLst>
+                      <p:childTnLst>
+                        <p:par>
+                          <p:cTn id="4" fill="hold">
+                            <p:stCondLst>
+                              <p:cond delay="0"/>
+                            </p:stCondLst>
+                            <p:childTnLst>
+                              <p:par>
+                                <p:cTn id="5" presetID="1" presetClass="entr" presetSubtype="0" fill="hold" nodeType="clickEffect">
+                                  <p:stCondLst>
+                                    <p:cond delay="0"/>
+                                  </p:stCondLst>
+                                  <p:childTnLst>
+                                    <p:set>
+                                      <p:cBhvr>
+                                        <p:cTn id="6" dur="1" fill="hold">
+                                          <p:stCondLst>
+                                            <p:cond delay="0"/>
+                                          </p:stCondLst>
+                                        </p:cTn>
+                                        <p:tgtEl>
+                                          <p:spTgt spid="9"/>
+                                        </p:tgtEl>
+                                        <p:attrNameLst>
+                                          <p:attrName>style.visibility</p:attrName>
+                                        </p:attrNameLst>
+                                      </p:cBhvr>
+                                      <p:to>
+                                        <p:strVal val="visible"/>
+                                      </p:to>
+                                    </p:set>
+                                  </p:childTnLst>
+                                </p:cTn>
+                              </p:par>
+                              <p:par>
+                                <p:cTn id="7" presetID="1" presetClass="entr" presetSubtype="0" fill="hold" grpId="0" nodeType="withEffect">
+                                  <p:stCondLst>
+                                    <p:cond delay="0"/>
+                                  </p:stCondLst>
+                                  <p:childTnLst>
+                                    <p:set>
+                                      <p:cBhvr>
+                                        <p:cTn id="8" dur="1" fill="hold">
+                                          <p:stCondLst>
+                                            <p:cond delay="0"/>
+                                          </p:stCondLst>
+                                        </p:cTn>
+                                        <p:tgtEl>
+                                          <p:spTgt spid="20"/>
+                                        </p:tgtEl>
+                                        <p:attrNameLst>
+                                          <p:attrName>style.visibility</p:attrName>
+                                        </p:attrNameLst>
+                                      </p:cBhvr>
+                                      <p:to>
+                                        <p:strVal val="visible"/>
+                                      </p:to>
+                                    </p:set>
+                                  </p:childTnLst>
+                                </p:cTn>
+                              </p:par>
+                            </p:childTnLst>
+                          </p:cTn>
+                        </p:par>
+                      </p:childTnLst>
+                    </p:cTn>
+                  </p:par>
+                  <p:par>
+                    <p:cTn id="9" fill="hold">
+                      <p:stCondLst>
+                        <p:cond delay="indefinite"/>
+                      </p:stCondLst>
+                      <p:childTnLst>
+                        <p:par>
+                          <p:cTn id="10" fill="hold">
+                            <p:stCondLst>
+                              <p:cond delay="0"/>
+                            </p:stCondLst>
+                            <p:childTnLst>
+                              <p:par>
+                                <p:cTn id="11" presetID="1" presetClass="entr" presetSubtype="0" fill="hold" nodeType="clickEffect">
+                                  <p:stCondLst>
+                                    <p:cond delay="0"/>
+                                  </p:stCondLst>
+                                  <p:childTnLst>
+                                    <p:set>
+                                      <p:cBhvr>
+                                        <p:cTn id="12" dur="1" fill="hold">
+                                          <p:stCondLst>
+                                            <p:cond delay="0"/>
+                                          </p:stCondLst>
+                                        </p:cTn>
+                                        <p:tgtEl>
+                                          <p:spTgt spid="11"/>
+                                        </p:tgtEl>
+                                        <p:attrNameLst>
+                                          <p:attrName>style.visibility</p:attrName>
+                                        </p:attrNameLst>
+                                      </p:cBhvr>
+                                      <p:to>
+                                        <p:strVal val="visible"/>
+                                      </p:to>
+                                    </p:set>
+                                  </p:childTnLst>
+                                </p:cTn>
+                              </p:par>
+                              <p:par>
+                                <p:cTn id="13" presetID="1" presetClass="entr" presetSubtype="0" fill="hold" nodeType="withEffect">
                                   <p:stCondLst>
                                     <p:cond delay="0"/>
                                   </p:stCondLst>
@@ -13497,9 +14669,667 @@
                                           </p:stCondLst>
                                         </p:cTn>
                                         <p:tgtEl>
+                                          <p:spTgt spid="19"/>
+                                        </p:tgtEl>
+                                        <p:attrNameLst>
+                                          <p:attrName>style.visibility</p:attrName>
+                                        </p:attrNameLst>
+                                      </p:cBhvr>
+                                      <p:to>
+                                        <p:strVal val="visible"/>
+                                      </p:to>
+                                    </p:set>
+                                  </p:childTnLst>
+                                </p:cTn>
+                              </p:par>
+                            </p:childTnLst>
+                          </p:cTn>
+                        </p:par>
+                      </p:childTnLst>
+                    </p:cTn>
+                  </p:par>
+                  <p:par>
+                    <p:cTn id="15" fill="hold">
+                      <p:stCondLst>
+                        <p:cond delay="indefinite"/>
+                      </p:stCondLst>
+                      <p:childTnLst>
+                        <p:par>
+                          <p:cTn id="16" fill="hold">
+                            <p:stCondLst>
+                              <p:cond delay="0"/>
+                            </p:stCondLst>
+                            <p:childTnLst>
+                              <p:par>
+                                <p:cTn id="17" presetID="1" presetClass="entr" presetSubtype="0" fill="hold" nodeType="clickEffect">
+                                  <p:stCondLst>
+                                    <p:cond delay="0"/>
+                                  </p:stCondLst>
+                                  <p:childTnLst>
+                                    <p:set>
+                                      <p:cBhvr>
+                                        <p:cTn id="18" dur="1" fill="hold">
+                                          <p:stCondLst>
+                                            <p:cond delay="0"/>
+                                          </p:stCondLst>
+                                        </p:cTn>
+                                        <p:tgtEl>
+                                          <p:spTgt spid="26"/>
+                                        </p:tgtEl>
+                                        <p:attrNameLst>
+                                          <p:attrName>style.visibility</p:attrName>
+                                        </p:attrNameLst>
+                                      </p:cBhvr>
+                                      <p:to>
+                                        <p:strVal val="visible"/>
+                                      </p:to>
+                                    </p:set>
+                                  </p:childTnLst>
+                                </p:cTn>
+                              </p:par>
+                            </p:childTnLst>
+                          </p:cTn>
+                        </p:par>
+                      </p:childTnLst>
+                    </p:cTn>
+                  </p:par>
+                  <p:par>
+                    <p:cTn id="19" fill="hold">
+                      <p:stCondLst>
+                        <p:cond delay="indefinite"/>
+                      </p:stCondLst>
+                      <p:childTnLst>
+                        <p:par>
+                          <p:cTn id="20" fill="hold">
+                            <p:stCondLst>
+                              <p:cond delay="0"/>
+                            </p:stCondLst>
+                            <p:childTnLst>
+                              <p:par>
+                                <p:cTn id="21" presetID="1" presetClass="entr" presetSubtype="0" fill="hold" nodeType="clickEffect">
+                                  <p:stCondLst>
+                                    <p:cond delay="0"/>
+                                  </p:stCondLst>
+                                  <p:childTnLst>
+                                    <p:set>
+                                      <p:cBhvr>
+                                        <p:cTn id="22" dur="1" fill="hold">
+                                          <p:stCondLst>
+                                            <p:cond delay="0"/>
+                                          </p:stCondLst>
+                                        </p:cTn>
+                                        <p:tgtEl>
+                                          <p:spTgt spid="5"/>
+                                        </p:tgtEl>
+                                        <p:attrNameLst>
+                                          <p:attrName>style.visibility</p:attrName>
+                                        </p:attrNameLst>
+                                      </p:cBhvr>
+                                      <p:to>
+                                        <p:strVal val="visible"/>
+                                      </p:to>
+                                    </p:set>
+                                  </p:childTnLst>
+                                </p:cTn>
+                              </p:par>
+                              <p:par>
+                                <p:cTn id="23" presetID="1" presetClass="entr" presetSubtype="0" fill="hold" nodeType="withEffect">
+                                  <p:stCondLst>
+                                    <p:cond delay="0"/>
+                                  </p:stCondLst>
+                                  <p:childTnLst>
+                                    <p:set>
+                                      <p:cBhvr>
+                                        <p:cTn id="24" dur="1" fill="hold">
+                                          <p:stCondLst>
+                                            <p:cond delay="0"/>
+                                          </p:stCondLst>
+                                        </p:cTn>
+                                        <p:tgtEl>
+                                          <p:spTgt spid="13"/>
+                                        </p:tgtEl>
+                                        <p:attrNameLst>
+                                          <p:attrName>style.visibility</p:attrName>
+                                        </p:attrNameLst>
+                                      </p:cBhvr>
+                                      <p:to>
+                                        <p:strVal val="visible"/>
+                                      </p:to>
+                                    </p:set>
+                                  </p:childTnLst>
+                                </p:cTn>
+                              </p:par>
+                              <p:par>
+                                <p:cTn id="25" presetID="1" presetClass="entr" presetSubtype="0" fill="hold" grpId="0" nodeType="withEffect">
+                                  <p:stCondLst>
+                                    <p:cond delay="0"/>
+                                  </p:stCondLst>
+                                  <p:childTnLst>
+                                    <p:set>
+                                      <p:cBhvr>
+                                        <p:cTn id="26" dur="1" fill="hold">
+                                          <p:stCondLst>
+                                            <p:cond delay="0"/>
+                                          </p:stCondLst>
+                                        </p:cTn>
+                                        <p:tgtEl>
+                                          <p:spTgt spid="27"/>
+                                        </p:tgtEl>
+                                        <p:attrNameLst>
+                                          <p:attrName>style.visibility</p:attrName>
+                                        </p:attrNameLst>
+                                      </p:cBhvr>
+                                      <p:to>
+                                        <p:strVal val="visible"/>
+                                      </p:to>
+                                    </p:set>
+                                  </p:childTnLst>
+                                </p:cTn>
+                              </p:par>
+                            </p:childTnLst>
+                          </p:cTn>
+                        </p:par>
+                      </p:childTnLst>
+                    </p:cTn>
+                  </p:par>
+                </p:childTnLst>
+              </p:cTn>
+              <p:prevCondLst>
+                <p:cond evt="onPrev" delay="0">
+                  <p:tgtEl>
+                    <p:sldTgt/>
+                  </p:tgtEl>
+                </p:cond>
+              </p:prevCondLst>
+              <p:nextCondLst>
+                <p:cond evt="onNext" delay="0">
+                  <p:tgtEl>
+                    <p:sldTgt/>
+                  </p:tgtEl>
+                </p:cond>
+              </p:nextCondLst>
+            </p:seq>
+          </p:childTnLst>
+        </p:cTn>
+      </p:par>
+    </p:tnLst>
+    <p:bldLst>
+      <p:bldP spid="20" grpId="0"/>
+      <p:bldP spid="27" grpId="0"/>
+    </p:bldLst>
+  </p:timing>
+</p:sld>
+</file>
+
+<file path=ppt/slides/slide5.xml><?xml version="1.0" encoding="utf-8"?>
+<p:sld xmlns:a="http://schemas.openxmlformats.org/drawingml/2006/main" xmlns:r="http://schemas.openxmlformats.org/officeDocument/2006/relationships" xmlns:p="http://schemas.openxmlformats.org/presentationml/2006/main">
+  <p:cSld>
+    <p:spTree>
+      <p:nvGrpSpPr>
+        <p:cNvPr id="1" name=""/>
+        <p:cNvGrpSpPr/>
+        <p:nvPr/>
+      </p:nvGrpSpPr>
+      <p:grpSpPr>
+        <a:xfrm>
+          <a:off x="0" y="0"/>
+          <a:ext cx="0" cy="0"/>
+          <a:chOff x="0" y="0"/>
+          <a:chExt cx="0" cy="0"/>
+        </a:xfrm>
+      </p:grpSpPr>
+      <p:sp>
+        <p:nvSpPr>
+          <p:cNvPr id="2" name="Title 1">
+            <a:extLst>
+              <a:ext uri="{FF2B5EF4-FFF2-40B4-BE49-F238E27FC236}">
+                <a16:creationId xmlns:a16="http://schemas.microsoft.com/office/drawing/2014/main" id="{8E66C20A-AED6-44D9-B216-49CD0DD1A2C9}"/>
+              </a:ext>
+            </a:extLst>
+          </p:cNvPr>
+          <p:cNvSpPr>
+            <a:spLocks noGrp="1"/>
+          </p:cNvSpPr>
+          <p:nvPr>
+            <p:ph type="title"/>
+          </p:nvPr>
+        </p:nvSpPr>
+        <p:spPr/>
+        <p:txBody>
+          <a:bodyPr/>
+          <a:lstStyle/>
+          <a:p>
+            <a:r>
+              <a:rPr lang="en-US" dirty="0"/>
+              <a:t>Workflow Dashboard</a:t>
+            </a:r>
+          </a:p>
+        </p:txBody>
+      </p:sp>
+      <p:sp>
+        <p:nvSpPr>
+          <p:cNvPr id="3" name="Content Placeholder 2">
+            <a:extLst>
+              <a:ext uri="{FF2B5EF4-FFF2-40B4-BE49-F238E27FC236}">
+                <a16:creationId xmlns:a16="http://schemas.microsoft.com/office/drawing/2014/main" id="{C366CF95-EB50-4610-B3BD-4E934F78C9DB}"/>
+              </a:ext>
+            </a:extLst>
+          </p:cNvPr>
+          <p:cNvSpPr>
+            <a:spLocks noGrp="1"/>
+          </p:cNvSpPr>
+          <p:nvPr>
+            <p:ph idx="1"/>
+          </p:nvPr>
+        </p:nvSpPr>
+        <p:spPr>
+          <a:xfrm>
+            <a:off x="1350962" y="2097088"/>
+            <a:ext cx="9905999" cy="3541714"/>
+          </a:xfrm>
+        </p:spPr>
+        <p:txBody>
+          <a:bodyPr/>
+          <a:lstStyle/>
+          <a:p>
+            <a:r>
+              <a:rPr lang="en-US" dirty="0"/>
+              <a:t>Audit</a:t>
+            </a:r>
+          </a:p>
+          <a:p>
+            <a:r>
+              <a:rPr lang="en-US" dirty="0"/>
+              <a:t>Monitoring</a:t>
+            </a:r>
+          </a:p>
+          <a:p>
+            <a:r>
+              <a:rPr lang="en-US" dirty="0"/>
+              <a:t>Diagnostic</a:t>
+            </a:r>
+          </a:p>
+          <a:p>
+            <a:r>
+              <a:rPr lang="en-US" dirty="0"/>
+              <a:t>Let’s demo…</a:t>
+            </a:r>
+          </a:p>
+        </p:txBody>
+      </p:sp>
+      <p:pic>
+        <p:nvPicPr>
+          <p:cNvPr id="7" name="Picture 6">
+            <a:extLst>
+              <a:ext uri="{FF2B5EF4-FFF2-40B4-BE49-F238E27FC236}">
+                <a16:creationId xmlns:a16="http://schemas.microsoft.com/office/drawing/2014/main" id="{B37C8031-39B9-46F8-80F4-543D9AC882B9}"/>
+              </a:ext>
+            </a:extLst>
+          </p:cNvPr>
+          <p:cNvPicPr>
+            <a:picLocks noChangeAspect="1"/>
+          </p:cNvPicPr>
+          <p:nvPr/>
+        </p:nvPicPr>
+        <p:blipFill>
+          <a:blip r:embed="rId2"/>
+          <a:stretch>
+            <a:fillRect/>
+          </a:stretch>
+        </p:blipFill>
+        <p:spPr>
+          <a:xfrm>
+            <a:off x="1257299" y="1728759"/>
+            <a:ext cx="10525125" cy="4945743"/>
+          </a:xfrm>
+          <a:prstGeom prst="rect">
+            <a:avLst/>
+          </a:prstGeom>
+        </p:spPr>
+      </p:pic>
+      <p:pic>
+        <p:nvPicPr>
+          <p:cNvPr id="8" name="Picture 7">
+            <a:extLst>
+              <a:ext uri="{FF2B5EF4-FFF2-40B4-BE49-F238E27FC236}">
+                <a16:creationId xmlns:a16="http://schemas.microsoft.com/office/drawing/2014/main" id="{149863A1-E73A-4DF3-BFE6-ACCD952A2762}"/>
+              </a:ext>
+            </a:extLst>
+          </p:cNvPr>
+          <p:cNvPicPr>
+            <a:picLocks noChangeAspect="1"/>
+          </p:cNvPicPr>
+          <p:nvPr/>
+        </p:nvPicPr>
+        <p:blipFill>
+          <a:blip r:embed="rId2">
+            <a:alphaModFix amt="15000"/>
+          </a:blip>
+          <a:stretch>
+            <a:fillRect/>
+          </a:stretch>
+        </p:blipFill>
+        <p:spPr>
+          <a:xfrm>
+            <a:off x="1257299" y="1728759"/>
+            <a:ext cx="10525125" cy="4945743"/>
+          </a:xfrm>
+          <a:prstGeom prst="rect">
+            <a:avLst/>
+          </a:prstGeom>
+        </p:spPr>
+      </p:pic>
+    </p:spTree>
+    <p:extLst>
+      <p:ext uri="{BB962C8B-B14F-4D97-AF65-F5344CB8AC3E}">
+        <p14:creationId xmlns:p14="http://schemas.microsoft.com/office/powerpoint/2010/main" val="1616962632"/>
+      </p:ext>
+    </p:extLst>
+  </p:cSld>
+  <p:clrMapOvr>
+    <a:masterClrMapping/>
+  </p:clrMapOvr>
+  <p:timing>
+    <p:tnLst>
+      <p:par>
+        <p:cTn id="1" dur="indefinite" restart="never" nodeType="tmRoot">
+          <p:childTnLst>
+            <p:seq concurrent="1" nextAc="seek">
+              <p:cTn id="2" dur="indefinite" nodeType="mainSeq">
+                <p:childTnLst>
+                  <p:par>
+                    <p:cTn id="3" fill="hold">
+                      <p:stCondLst>
+                        <p:cond delay="indefinite"/>
+                      </p:stCondLst>
+                      <p:childTnLst>
+                        <p:par>
+                          <p:cTn id="4" fill="hold">
+                            <p:stCondLst>
+                              <p:cond delay="0"/>
+                            </p:stCondLst>
+                            <p:childTnLst>
+                              <p:par>
+                                <p:cTn id="5" presetID="1" presetClass="entr" presetSubtype="0" fill="hold" nodeType="clickEffect">
+                                  <p:stCondLst>
+                                    <p:cond delay="0"/>
+                                  </p:stCondLst>
+                                  <p:childTnLst>
+                                    <p:set>
+                                      <p:cBhvr>
+                                        <p:cTn id="6" dur="1" fill="hold">
+                                          <p:stCondLst>
+                                            <p:cond delay="0"/>
+                                          </p:stCondLst>
+                                        </p:cTn>
+                                        <p:tgtEl>
+                                          <p:spTgt spid="7"/>
+                                        </p:tgtEl>
+                                        <p:attrNameLst>
+                                          <p:attrName>style.visibility</p:attrName>
+                                        </p:attrNameLst>
+                                      </p:cBhvr>
+                                      <p:to>
+                                        <p:strVal val="visible"/>
+                                      </p:to>
+                                    </p:set>
+                                  </p:childTnLst>
+                                </p:cTn>
+                              </p:par>
+                            </p:childTnLst>
+                          </p:cTn>
+                        </p:par>
+                      </p:childTnLst>
+                    </p:cTn>
+                  </p:par>
+                  <p:par>
+                    <p:cTn id="7" fill="hold">
+                      <p:stCondLst>
+                        <p:cond delay="indefinite"/>
+                      </p:stCondLst>
+                      <p:childTnLst>
+                        <p:par>
+                          <p:cTn id="8" fill="hold">
+                            <p:stCondLst>
+                              <p:cond delay="0"/>
+                            </p:stCondLst>
+                            <p:childTnLst>
+                              <p:par>
+                                <p:cTn id="9" presetID="1" presetClass="exit" presetSubtype="0" fill="hold" nodeType="clickEffect">
+                                  <p:stCondLst>
+                                    <p:cond delay="0"/>
+                                  </p:stCondLst>
+                                  <p:childTnLst>
+                                    <p:set>
+                                      <p:cBhvr>
+                                        <p:cTn id="10" dur="1" fill="hold">
+                                          <p:stCondLst>
+                                            <p:cond delay="0"/>
+                                          </p:stCondLst>
+                                        </p:cTn>
+                                        <p:tgtEl>
+                                          <p:spTgt spid="7"/>
+                                        </p:tgtEl>
+                                        <p:attrNameLst>
+                                          <p:attrName>style.visibility</p:attrName>
+                                        </p:attrNameLst>
+                                      </p:cBhvr>
+                                      <p:to>
+                                        <p:strVal val="hidden"/>
+                                      </p:to>
+                                    </p:set>
+                                  </p:childTnLst>
+                                </p:cTn>
+                              </p:par>
+                              <p:par>
+                                <p:cTn id="11" presetID="1" presetClass="entr" presetSubtype="0" fill="hold" nodeType="withEffect">
+                                  <p:stCondLst>
+                                    <p:cond delay="0"/>
+                                  </p:stCondLst>
+                                  <p:childTnLst>
+                                    <p:set>
+                                      <p:cBhvr>
+                                        <p:cTn id="12" dur="1" fill="hold">
+                                          <p:stCondLst>
+                                            <p:cond delay="0"/>
+                                          </p:stCondLst>
+                                        </p:cTn>
+                                        <p:tgtEl>
+                                          <p:spTgt spid="8"/>
+                                        </p:tgtEl>
+                                        <p:attrNameLst>
+                                          <p:attrName>style.visibility</p:attrName>
+                                        </p:attrNameLst>
+                                      </p:cBhvr>
+                                      <p:to>
+                                        <p:strVal val="visible"/>
+                                      </p:to>
+                                    </p:set>
+                                  </p:childTnLst>
+                                </p:cTn>
+                              </p:par>
+                            </p:childTnLst>
+                          </p:cTn>
+                        </p:par>
+                      </p:childTnLst>
+                    </p:cTn>
+                  </p:par>
+                  <p:par>
+                    <p:cTn id="13" fill="hold">
+                      <p:stCondLst>
+                        <p:cond delay="indefinite"/>
+                      </p:stCondLst>
+                      <p:childTnLst>
+                        <p:par>
+                          <p:cTn id="14" fill="hold">
+                            <p:stCondLst>
+                              <p:cond delay="0"/>
+                            </p:stCondLst>
+                            <p:childTnLst>
+                              <p:par>
+                                <p:cTn id="15" presetID="1" presetClass="entr" presetSubtype="0" fill="hold" grpId="0" nodeType="clickEffect">
+                                  <p:stCondLst>
+                                    <p:cond delay="0"/>
+                                  </p:stCondLst>
+                                  <p:childTnLst>
+                                    <p:set>
+                                      <p:cBhvr>
+                                        <p:cTn id="16" dur="1" fill="hold">
+                                          <p:stCondLst>
+                                            <p:cond delay="0"/>
+                                          </p:stCondLst>
+                                        </p:cTn>
+                                        <p:tgtEl>
+                                          <p:spTgt spid="3">
+                                            <p:txEl>
+                                              <p:pRg st="0" end="0"/>
+                                            </p:txEl>
+                                          </p:spTgt>
+                                        </p:tgtEl>
+                                        <p:attrNameLst>
+                                          <p:attrName>style.visibility</p:attrName>
+                                        </p:attrNameLst>
+                                      </p:cBhvr>
+                                      <p:to>
+                                        <p:strVal val="visible"/>
+                                      </p:to>
+                                    </p:set>
+                                  </p:childTnLst>
+                                </p:cTn>
+                              </p:par>
+                            </p:childTnLst>
+                          </p:cTn>
+                        </p:par>
+                      </p:childTnLst>
+                    </p:cTn>
+                  </p:par>
+                  <p:par>
+                    <p:cTn id="17" fill="hold">
+                      <p:stCondLst>
+                        <p:cond delay="indefinite"/>
+                      </p:stCondLst>
+                      <p:childTnLst>
+                        <p:par>
+                          <p:cTn id="18" fill="hold">
+                            <p:stCondLst>
+                              <p:cond delay="0"/>
+                            </p:stCondLst>
+                            <p:childTnLst>
+                              <p:par>
+                                <p:cTn id="19" presetID="1" presetClass="entr" presetSubtype="0" fill="hold" grpId="0" nodeType="clickEffect">
+                                  <p:stCondLst>
+                                    <p:cond delay="0"/>
+                                  </p:stCondLst>
+                                  <p:childTnLst>
+                                    <p:set>
+                                      <p:cBhvr>
+                                        <p:cTn id="20" dur="1" fill="hold">
+                                          <p:stCondLst>
+                                            <p:cond delay="0"/>
+                                          </p:stCondLst>
+                                        </p:cTn>
+                                        <p:tgtEl>
+                                          <p:spTgt spid="3">
+                                            <p:txEl>
+                                              <p:pRg st="1" end="1"/>
+                                            </p:txEl>
+                                          </p:spTgt>
+                                        </p:tgtEl>
+                                        <p:attrNameLst>
+                                          <p:attrName>style.visibility</p:attrName>
+                                        </p:attrNameLst>
+                                      </p:cBhvr>
+                                      <p:to>
+                                        <p:strVal val="visible"/>
+                                      </p:to>
+                                    </p:set>
+                                  </p:childTnLst>
+                                </p:cTn>
+                              </p:par>
+                            </p:childTnLst>
+                          </p:cTn>
+                        </p:par>
+                      </p:childTnLst>
+                    </p:cTn>
+                  </p:par>
+                  <p:par>
+                    <p:cTn id="21" fill="hold">
+                      <p:stCondLst>
+                        <p:cond delay="indefinite"/>
+                      </p:stCondLst>
+                      <p:childTnLst>
+                        <p:par>
+                          <p:cTn id="22" fill="hold">
+                            <p:stCondLst>
+                              <p:cond delay="0"/>
+                            </p:stCondLst>
+                            <p:childTnLst>
+                              <p:par>
+                                <p:cTn id="23" presetID="1" presetClass="entr" presetSubtype="0" fill="hold" grpId="0" nodeType="clickEffect">
+                                  <p:stCondLst>
+                                    <p:cond delay="0"/>
+                                  </p:stCondLst>
+                                  <p:childTnLst>
+                                    <p:set>
+                                      <p:cBhvr>
+                                        <p:cTn id="24" dur="1" fill="hold">
+                                          <p:stCondLst>
+                                            <p:cond delay="0"/>
+                                          </p:stCondLst>
+                                        </p:cTn>
+                                        <p:tgtEl>
                                           <p:spTgt spid="3">
                                             <p:txEl>
                                               <p:pRg st="2" end="2"/>
+                                            </p:txEl>
+                                          </p:spTgt>
+                                        </p:tgtEl>
+                                        <p:attrNameLst>
+                                          <p:attrName>style.visibility</p:attrName>
+                                        </p:attrNameLst>
+                                      </p:cBhvr>
+                                      <p:to>
+                                        <p:strVal val="visible"/>
+                                      </p:to>
+                                    </p:set>
+                                  </p:childTnLst>
+                                </p:cTn>
+                              </p:par>
+                            </p:childTnLst>
+                          </p:cTn>
+                        </p:par>
+                      </p:childTnLst>
+                    </p:cTn>
+                  </p:par>
+                  <p:par>
+                    <p:cTn id="25" fill="hold">
+                      <p:stCondLst>
+                        <p:cond delay="indefinite"/>
+                      </p:stCondLst>
+                      <p:childTnLst>
+                        <p:par>
+                          <p:cTn id="26" fill="hold">
+                            <p:stCondLst>
+                              <p:cond delay="0"/>
+                            </p:stCondLst>
+                            <p:childTnLst>
+                              <p:par>
+                                <p:cTn id="27" presetID="1" presetClass="entr" presetSubtype="0" fill="hold" grpId="0" nodeType="clickEffect">
+                                  <p:stCondLst>
+                                    <p:cond delay="0"/>
+                                  </p:stCondLst>
+                                  <p:childTnLst>
+                                    <p:set>
+                                      <p:cBhvr>
+                                        <p:cTn id="28" dur="1" fill="hold">
+                                          <p:stCondLst>
+                                            <p:cond delay="0"/>
+                                          </p:stCondLst>
+                                        </p:cTn>
+                                        <p:tgtEl>
+                                          <p:spTgt spid="3">
+                                            <p:txEl>
+                                              <p:pRg st="3" end="3"/>
                                             </p:txEl>
                                           </p:spTgt>
                                         </p:tgtEl>
@@ -13548,7 +15378,7 @@
 </p:sld>
 </file>
 
-<file path=ppt/slides/slide4.xml><?xml version="1.0" encoding="utf-8"?>
+<file path=ppt/slides/slide6.xml><?xml version="1.0" encoding="utf-8"?>
 <p:sld xmlns:a="http://schemas.openxmlformats.org/drawingml/2006/main" xmlns:r="http://schemas.openxmlformats.org/officeDocument/2006/relationships" xmlns:p="http://schemas.openxmlformats.org/presentationml/2006/main">
   <p:cSld>
     <p:spTree>
@@ -13570,7 +15400,7 @@
           <p:cNvPr id="2" name="Title 1">
             <a:extLst>
               <a:ext uri="{FF2B5EF4-FFF2-40B4-BE49-F238E27FC236}">
-                <a16:creationId xmlns:a16="http://schemas.microsoft.com/office/drawing/2014/main" id="{8E66C20A-AED6-44D9-B216-49CD0DD1A2C9}"/>
+                <a16:creationId xmlns:a16="http://schemas.microsoft.com/office/drawing/2014/main" id="{D368D23B-A919-452B-87F4-F0BBC90B54C4}"/>
               </a:ext>
             </a:extLst>
           </p:cNvPr>
@@ -13588,7 +15418,7 @@
           <a:p>
             <a:r>
               <a:rPr lang="en-US" dirty="0"/>
-              <a:t>Workflow Dashboard</a:t>
+              <a:t>NOT AN ‘Enterprise’ Solution ?</a:t>
             </a:r>
           </a:p>
         </p:txBody>
@@ -13598,7 +15428,7 @@
           <p:cNvPr id="3" name="Content Placeholder 2">
             <a:extLst>
               <a:ext uri="{FF2B5EF4-FFF2-40B4-BE49-F238E27FC236}">
-                <a16:creationId xmlns:a16="http://schemas.microsoft.com/office/drawing/2014/main" id="{C366CF95-EB50-4610-B3BD-4E934F78C9DB}"/>
+                <a16:creationId xmlns:a16="http://schemas.microsoft.com/office/drawing/2014/main" id="{BFADD168-CB14-43CF-B95E-63226183DE5D}"/>
               </a:ext>
             </a:extLst>
           </p:cNvPr>
@@ -13614,219 +15444,61 @@
           <a:bodyPr/>
           <a:lstStyle/>
           <a:p>
+            <a:pPr marL="0" indent="0">
+              <a:buNone/>
+            </a:pPr>
             <a:r>
               <a:rPr lang="en-US" dirty="0"/>
-              <a:t>Audit</a:t>
+              <a:t>Would require:</a:t>
             </a:r>
           </a:p>
           <a:p>
             <a:r>
               <a:rPr lang="en-US" dirty="0"/>
-              <a:t>Monitoring</a:t>
+              <a:t>Service bus messaging</a:t>
             </a:r>
           </a:p>
           <a:p>
             <a:r>
               <a:rPr lang="en-US" dirty="0"/>
-              <a:t>Debugging</a:t>
+              <a:t>Workflow Server</a:t>
             </a:r>
+          </a:p>
+          <a:p>
+            <a:r>
+              <a:rPr lang="en-US" dirty="0"/>
+              <a:t>Support for multi-node environments</a:t>
+            </a:r>
+          </a:p>
+          <a:p>
+            <a:r>
+              <a:rPr lang="en-US" dirty="0"/>
+              <a:t>Check ELSA roadmap </a:t>
+            </a:r>
+            <a:r>
+              <a:rPr lang="en-US" dirty="0">
+                <a:hlinkClick r:id="rId2"/>
+              </a:rPr>
+              <a:t>here</a:t>
+            </a:r>
+            <a:endParaRPr lang="en-US" dirty="0"/>
           </a:p>
         </p:txBody>
       </p:sp>
     </p:spTree>
     <p:extLst>
       <p:ext uri="{BB962C8B-B14F-4D97-AF65-F5344CB8AC3E}">
-        <p14:creationId xmlns:p14="http://schemas.microsoft.com/office/powerpoint/2010/main" val="1616962632"/>
+        <p14:creationId xmlns:p14="http://schemas.microsoft.com/office/powerpoint/2010/main" val="4015144184"/>
       </p:ext>
     </p:extLst>
   </p:cSld>
   <p:clrMapOvr>
     <a:masterClrMapping/>
   </p:clrMapOvr>
-  <p:timing>
-    <p:tnLst>
-      <p:par>
-        <p:cTn id="1" dur="indefinite" restart="never" nodeType="tmRoot">
-          <p:childTnLst>
-            <p:seq concurrent="1" nextAc="seek">
-              <p:cTn id="2" dur="indefinite" nodeType="mainSeq">
-                <p:childTnLst>
-                  <p:par>
-                    <p:cTn id="3" fill="hold">
-                      <p:stCondLst>
-                        <p:cond delay="indefinite"/>
-                      </p:stCondLst>
-                      <p:childTnLst>
-                        <p:par>
-                          <p:cTn id="4" fill="hold">
-                            <p:stCondLst>
-                              <p:cond delay="0"/>
-                            </p:stCondLst>
-                            <p:childTnLst>
-                              <p:par>
-                                <p:cTn id="5" presetID="1" presetClass="entr" presetSubtype="0" fill="hold" grpId="0" nodeType="clickEffect">
-                                  <p:stCondLst>
-                                    <p:cond delay="0"/>
-                                  </p:stCondLst>
-                                  <p:childTnLst>
-                                    <p:set>
-                                      <p:cBhvr>
-                                        <p:cTn id="6" dur="1" fill="hold">
-                                          <p:stCondLst>
-                                            <p:cond delay="0"/>
-                                          </p:stCondLst>
-                                        </p:cTn>
-                                        <p:tgtEl>
-                                          <p:spTgt spid="3">
-                                            <p:txEl>
-                                              <p:pRg st="0" end="0"/>
-                                            </p:txEl>
-                                          </p:spTgt>
-                                        </p:tgtEl>
-                                        <p:attrNameLst>
-                                          <p:attrName>style.visibility</p:attrName>
-                                        </p:attrNameLst>
-                                      </p:cBhvr>
-                                      <p:to>
-                                        <p:strVal val="visible"/>
-                                      </p:to>
-                                    </p:set>
-                                  </p:childTnLst>
-                                </p:cTn>
-                              </p:par>
-                            </p:childTnLst>
-                          </p:cTn>
-                        </p:par>
-                      </p:childTnLst>
-                    </p:cTn>
-                  </p:par>
-                  <p:par>
-                    <p:cTn id="7" fill="hold">
-                      <p:stCondLst>
-                        <p:cond delay="indefinite"/>
-                      </p:stCondLst>
-                      <p:childTnLst>
-                        <p:par>
-                          <p:cTn id="8" fill="hold">
-                            <p:stCondLst>
-                              <p:cond delay="0"/>
-                            </p:stCondLst>
-                            <p:childTnLst>
-                              <p:par>
-                                <p:cTn id="9" presetID="1" presetClass="entr" presetSubtype="0" fill="hold" grpId="0" nodeType="clickEffect">
-                                  <p:stCondLst>
-                                    <p:cond delay="0"/>
-                                  </p:stCondLst>
-                                  <p:childTnLst>
-                                    <p:set>
-                                      <p:cBhvr>
-                                        <p:cTn id="10" dur="1" fill="hold">
-                                          <p:stCondLst>
-                                            <p:cond delay="0"/>
-                                          </p:stCondLst>
-                                        </p:cTn>
-                                        <p:tgtEl>
-                                          <p:spTgt spid="3">
-                                            <p:txEl>
-                                              <p:pRg st="1" end="1"/>
-                                            </p:txEl>
-                                          </p:spTgt>
-                                        </p:tgtEl>
-                                        <p:attrNameLst>
-                                          <p:attrName>style.visibility</p:attrName>
-                                        </p:attrNameLst>
-                                      </p:cBhvr>
-                                      <p:to>
-                                        <p:strVal val="visible"/>
-                                      </p:to>
-                                    </p:set>
-                                  </p:childTnLst>
-                                </p:cTn>
-                              </p:par>
-                            </p:childTnLst>
-                          </p:cTn>
-                        </p:par>
-                      </p:childTnLst>
-                    </p:cTn>
-                  </p:par>
-                  <p:par>
-                    <p:cTn id="11" fill="hold">
-                      <p:stCondLst>
-                        <p:cond delay="indefinite"/>
-                      </p:stCondLst>
-                      <p:childTnLst>
-                        <p:par>
-                          <p:cTn id="12" fill="hold">
-                            <p:stCondLst>
-                              <p:cond delay="0"/>
-                            </p:stCondLst>
-                            <p:childTnLst>
-                              <p:par>
-                                <p:cTn id="13" presetID="1" presetClass="entr" presetSubtype="0" fill="hold" grpId="0" nodeType="clickEffect">
-                                  <p:stCondLst>
-                                    <p:cond delay="0"/>
-                                  </p:stCondLst>
-                                  <p:childTnLst>
-                                    <p:set>
-                                      <p:cBhvr>
-                                        <p:cTn id="14" dur="1" fill="hold">
-                                          <p:stCondLst>
-                                            <p:cond delay="0"/>
-                                          </p:stCondLst>
-                                        </p:cTn>
-                                        <p:tgtEl>
-                                          <p:spTgt spid="3">
-                                            <p:txEl>
-                                              <p:pRg st="2" end="2"/>
-                                            </p:txEl>
-                                          </p:spTgt>
-                                        </p:tgtEl>
-                                        <p:attrNameLst>
-                                          <p:attrName>style.visibility</p:attrName>
-                                        </p:attrNameLst>
-                                      </p:cBhvr>
-                                      <p:to>
-                                        <p:strVal val="visible"/>
-                                      </p:to>
-                                    </p:set>
-                                  </p:childTnLst>
-                                </p:cTn>
-                              </p:par>
-                            </p:childTnLst>
-                          </p:cTn>
-                        </p:par>
-                      </p:childTnLst>
-                    </p:cTn>
-                  </p:par>
-                </p:childTnLst>
-              </p:cTn>
-              <p:prevCondLst>
-                <p:cond evt="onPrev" delay="0">
-                  <p:tgtEl>
-                    <p:sldTgt/>
-                  </p:tgtEl>
-                </p:cond>
-              </p:prevCondLst>
-              <p:nextCondLst>
-                <p:cond evt="onNext" delay="0">
-                  <p:tgtEl>
-                    <p:sldTgt/>
-                  </p:tgtEl>
-                </p:cond>
-              </p:nextCondLst>
-            </p:seq>
-          </p:childTnLst>
-        </p:cTn>
-      </p:par>
-    </p:tnLst>
-    <p:bldLst>
-      <p:bldP spid="3" grpId="0" build="p"/>
-    </p:bldLst>
-  </p:timing>
 </p:sld>
 </file>
 
-<file path=ppt/slides/slide5.xml><?xml version="1.0" encoding="utf-8"?>
+<file path=ppt/slides/slide7.xml><?xml version="1.0" encoding="utf-8"?>
 <p:sld xmlns:a="http://schemas.openxmlformats.org/drawingml/2006/main" xmlns:r="http://schemas.openxmlformats.org/officeDocument/2006/relationships" xmlns:p="http://schemas.openxmlformats.org/presentationml/2006/main">
   <p:cSld>
     <p:spTree>
@@ -13848,7 +15520,7 @@
           <p:cNvPr id="2" name="Title 1">
             <a:extLst>
               <a:ext uri="{FF2B5EF4-FFF2-40B4-BE49-F238E27FC236}">
-                <a16:creationId xmlns:a16="http://schemas.microsoft.com/office/drawing/2014/main" id="{BDA77F83-04A6-4AC1-A973-4071C0D8747A}"/>
+                <a16:creationId xmlns:a16="http://schemas.microsoft.com/office/drawing/2014/main" id="{3D067AE6-DC8D-4E14-97FC-B8B4027DF10F}"/>
               </a:ext>
             </a:extLst>
           </p:cNvPr>
@@ -13864,7 +15536,10 @@
           <a:bodyPr/>
           <a:lstStyle/>
           <a:p>
-            <a:endParaRPr lang="en-US"/>
+            <a:r>
+              <a:rPr lang="en-US" dirty="0"/>
+              <a:t>Main advantage</a:t>
+            </a:r>
           </a:p>
         </p:txBody>
       </p:sp>
@@ -13873,7 +15548,7 @@
           <p:cNvPr id="3" name="Content Placeholder 2">
             <a:extLst>
               <a:ext uri="{FF2B5EF4-FFF2-40B4-BE49-F238E27FC236}">
-                <a16:creationId xmlns:a16="http://schemas.microsoft.com/office/drawing/2014/main" id="{64501F9A-801C-4DC1-8DCF-29DC5F686561}"/>
+                <a16:creationId xmlns:a16="http://schemas.microsoft.com/office/drawing/2014/main" id="{2EB276C0-EDEB-4322-9649-406A86EEB1B4}"/>
               </a:ext>
             </a:extLst>
           </p:cNvPr>
@@ -13889,14 +15564,151 @@
           <a:bodyPr/>
           <a:lstStyle/>
           <a:p>
-            <a:endParaRPr lang="en-US"/>
+            <a:r>
+              <a:rPr lang="en-US" dirty="0"/>
+              <a:t>Improve collaboration between analysts/</a:t>
+            </a:r>
+            <a:r>
+              <a:rPr lang="en-US" dirty="0" err="1"/>
+              <a:t>devs</a:t>
+            </a:r>
+            <a:r>
+              <a:rPr lang="en-US" dirty="0"/>
+              <a:t>/testers/support</a:t>
+            </a:r>
+          </a:p>
+          <a:p>
+            <a:endParaRPr lang="en-US" dirty="0"/>
+          </a:p>
+          <a:p>
+            <a:endParaRPr lang="en-US" dirty="0"/>
+          </a:p>
+          <a:p>
+            <a:endParaRPr lang="en-US" dirty="0"/>
           </a:p>
         </p:txBody>
       </p:sp>
     </p:spTree>
     <p:extLst>
       <p:ext uri="{BB962C8B-B14F-4D97-AF65-F5344CB8AC3E}">
-        <p14:creationId xmlns:p14="http://schemas.microsoft.com/office/powerpoint/2010/main" val="2931018304"/>
+        <p14:creationId xmlns:p14="http://schemas.microsoft.com/office/powerpoint/2010/main" val="3180700388"/>
+      </p:ext>
+    </p:extLst>
+  </p:cSld>
+  <p:clrMapOvr>
+    <a:masterClrMapping/>
+  </p:clrMapOvr>
+</p:sld>
+</file>
+
+<file path=ppt/slides/slide8.xml><?xml version="1.0" encoding="utf-8"?>
+<p:sld xmlns:a="http://schemas.openxmlformats.org/drawingml/2006/main" xmlns:r="http://schemas.openxmlformats.org/officeDocument/2006/relationships" xmlns:p="http://schemas.openxmlformats.org/presentationml/2006/main">
+  <p:cSld>
+    <p:spTree>
+      <p:nvGrpSpPr>
+        <p:cNvPr id="1" name=""/>
+        <p:cNvGrpSpPr/>
+        <p:nvPr/>
+      </p:nvGrpSpPr>
+      <p:grpSpPr>
+        <a:xfrm>
+          <a:off x="0" y="0"/>
+          <a:ext cx="0" cy="0"/>
+          <a:chOff x="0" y="0"/>
+          <a:chExt cx="0" cy="0"/>
+        </a:xfrm>
+      </p:grpSpPr>
+      <p:sp>
+        <p:nvSpPr>
+          <p:cNvPr id="2" name="Title 1">
+            <a:extLst>
+              <a:ext uri="{FF2B5EF4-FFF2-40B4-BE49-F238E27FC236}">
+                <a16:creationId xmlns:a16="http://schemas.microsoft.com/office/drawing/2014/main" id="{3D067AE6-DC8D-4E14-97FC-B8B4027DF10F}"/>
+              </a:ext>
+            </a:extLst>
+          </p:cNvPr>
+          <p:cNvSpPr>
+            <a:spLocks noGrp="1"/>
+          </p:cNvSpPr>
+          <p:nvPr>
+            <p:ph type="title"/>
+          </p:nvPr>
+        </p:nvSpPr>
+        <p:spPr/>
+        <p:txBody>
+          <a:bodyPr/>
+          <a:lstStyle/>
+          <a:p>
+            <a:r>
+              <a:rPr lang="en-US" dirty="0"/>
+              <a:t>Questions</a:t>
+            </a:r>
+          </a:p>
+        </p:txBody>
+      </p:sp>
+      <p:sp>
+        <p:nvSpPr>
+          <p:cNvPr id="3" name="Content Placeholder 2">
+            <a:extLst>
+              <a:ext uri="{FF2B5EF4-FFF2-40B4-BE49-F238E27FC236}">
+                <a16:creationId xmlns:a16="http://schemas.microsoft.com/office/drawing/2014/main" id="{2EB276C0-EDEB-4322-9649-406A86EEB1B4}"/>
+              </a:ext>
+            </a:extLst>
+          </p:cNvPr>
+          <p:cNvSpPr>
+            <a:spLocks noGrp="1"/>
+          </p:cNvSpPr>
+          <p:nvPr>
+            <p:ph idx="1"/>
+          </p:nvPr>
+        </p:nvSpPr>
+        <p:spPr/>
+        <p:txBody>
+          <a:bodyPr/>
+          <a:lstStyle/>
+          <a:p>
+            <a:r>
+              <a:rPr lang="en-US" dirty="0"/>
+              <a:t>Do you know alternatives already in place at INFRABEL?</a:t>
+            </a:r>
+          </a:p>
+          <a:p>
+            <a:r>
+              <a:rPr lang="en-US" dirty="0"/>
+              <a:t>What about transactions ? (saga)</a:t>
+            </a:r>
+          </a:p>
+          <a:p>
+            <a:r>
+              <a:rPr lang="en-US" dirty="0"/>
+              <a:t>Is ELSA a reliable framework for the long-term</a:t>
+            </a:r>
+          </a:p>
+          <a:p>
+            <a:r>
+              <a:rPr lang="en-US" dirty="0" err="1"/>
+              <a:t>Etc</a:t>
+            </a:r>
+            <a:r>
+              <a:rPr lang="en-US" dirty="0"/>
+              <a:t>…</a:t>
+            </a:r>
+          </a:p>
+          <a:p>
+            <a:endParaRPr lang="en-US" dirty="0"/>
+          </a:p>
+          <a:p>
+            <a:endParaRPr lang="en-US" dirty="0"/>
+          </a:p>
+          <a:p>
+            <a:endParaRPr lang="en-US" dirty="0"/>
+          </a:p>
+        </p:txBody>
+      </p:sp>
+    </p:spTree>
+    <p:extLst>
+      <p:ext uri="{BB962C8B-B14F-4D97-AF65-F5344CB8AC3E}">
+        <p14:creationId xmlns:p14="http://schemas.microsoft.com/office/powerpoint/2010/main" val="3545616053"/>
       </p:ext>
     </p:extLst>
   </p:cSld>

--- a/doc/demo.pptx
+++ b/doc/demo.pptx
@@ -169,7 +169,7 @@
           <a:noFill/>
           <a:extLst>
             <a:ext uri="{909E8E84-426E-40dd-AFC4-6F175D3DCCD1}">
-              <a14:hiddenFill xmlns:a14="http://schemas.microsoft.com/office/drawing/2010/main" xmlns="">
+              <a14:hiddenFill xmlns="" xmlns:a14="http://schemas.microsoft.com/office/drawing/2010/main">
                 <a:solidFill>
                   <a:srgbClr val="FFFFFF"/>
                 </a:solidFill>
@@ -229,7 +229,7 @@
             </a:ln>
             <a:extLst>
               <a:ext uri="{91240B29-F687-4f45-9708-019B960494DF}">
-                <a14:hiddenLine xmlns:a14="http://schemas.microsoft.com/office/drawing/2010/main" xmlns="" w="9525">
+                <a14:hiddenLine xmlns="" xmlns:a14="http://schemas.microsoft.com/office/drawing/2010/main" w="9525">
                   <a:solidFill>
                     <a:srgbClr val="000000"/>
                   </a:solidFill>
@@ -319,7 +319,7 @@
             </a:ln>
             <a:extLst>
               <a:ext uri="{91240B29-F687-4f45-9708-019B960494DF}">
-                <a14:hiddenLine xmlns:a14="http://schemas.microsoft.com/office/drawing/2010/main" xmlns="" w="9525">
+                <a14:hiddenLine xmlns="" xmlns:a14="http://schemas.microsoft.com/office/drawing/2010/main" w="9525">
                   <a:solidFill>
                     <a:srgbClr val="000000"/>
                   </a:solidFill>
@@ -409,7 +409,7 @@
             </a:ln>
             <a:extLst>
               <a:ext uri="{91240B29-F687-4f45-9708-019B960494DF}">
-                <a14:hiddenLine xmlns:a14="http://schemas.microsoft.com/office/drawing/2010/main" xmlns="" w="9525">
+                <a14:hiddenLine xmlns="" xmlns:a14="http://schemas.microsoft.com/office/drawing/2010/main" w="9525">
                   <a:solidFill>
                     <a:srgbClr val="000000"/>
                   </a:solidFill>
@@ -443,7 +443,7 @@
             </a:ln>
             <a:extLst>
               <a:ext uri="{91240B29-F687-4f45-9708-019B960494DF}">
-                <a14:hiddenLine xmlns:a14="http://schemas.microsoft.com/office/drawing/2010/main" xmlns="" w="9525">
+                <a14:hiddenLine xmlns="" xmlns:a14="http://schemas.microsoft.com/office/drawing/2010/main" w="9525">
                   <a:solidFill>
                     <a:srgbClr val="000000"/>
                   </a:solidFill>
@@ -533,7 +533,7 @@
             </a:ln>
             <a:extLst>
               <a:ext uri="{91240B29-F687-4f45-9708-019B960494DF}">
-                <a14:hiddenLine xmlns:a14="http://schemas.microsoft.com/office/drawing/2010/main" xmlns="" w="9525">
+                <a14:hiddenLine xmlns="" xmlns:a14="http://schemas.microsoft.com/office/drawing/2010/main" w="9525">
                   <a:solidFill>
                     <a:srgbClr val="000000"/>
                   </a:solidFill>
@@ -595,7 +595,7 @@
             </a:ln>
             <a:extLst>
               <a:ext uri="{91240B29-F687-4f45-9708-019B960494DF}">
-                <a14:hiddenLine xmlns:a14="http://schemas.microsoft.com/office/drawing/2010/main" xmlns="" w="9525">
+                <a14:hiddenLine xmlns="" xmlns:a14="http://schemas.microsoft.com/office/drawing/2010/main" w="9525">
                   <a:solidFill>
                     <a:srgbClr val="000000"/>
                   </a:solidFill>
@@ -657,7 +657,7 @@
             </a:ln>
             <a:extLst>
               <a:ext uri="{91240B29-F687-4f45-9708-019B960494DF}">
-                <a14:hiddenLine xmlns:a14="http://schemas.microsoft.com/office/drawing/2010/main" xmlns="" w="9525">
+                <a14:hiddenLine xmlns="" xmlns:a14="http://schemas.microsoft.com/office/drawing/2010/main" w="9525">
                   <a:solidFill>
                     <a:srgbClr val="000000"/>
                   </a:solidFill>
@@ -747,7 +747,7 @@
             </a:ln>
             <a:extLst>
               <a:ext uri="{91240B29-F687-4f45-9708-019B960494DF}">
-                <a14:hiddenLine xmlns:a14="http://schemas.microsoft.com/office/drawing/2010/main" xmlns="" w="9525">
+                <a14:hiddenLine xmlns="" xmlns:a14="http://schemas.microsoft.com/office/drawing/2010/main" w="9525">
                   <a:solidFill>
                     <a:srgbClr val="000000"/>
                   </a:solidFill>
@@ -809,7 +809,7 @@
             </a:ln>
             <a:extLst>
               <a:ext uri="{91240B29-F687-4f45-9708-019B960494DF}">
-                <a14:hiddenLine xmlns:a14="http://schemas.microsoft.com/office/drawing/2010/main" xmlns="" w="9525">
+                <a14:hiddenLine xmlns="" xmlns:a14="http://schemas.microsoft.com/office/drawing/2010/main" w="9525">
                   <a:solidFill>
                     <a:srgbClr val="000000"/>
                   </a:solidFill>
@@ -871,7 +871,7 @@
             </a:ln>
             <a:extLst>
               <a:ext uri="{91240B29-F687-4f45-9708-019B960494DF}">
-                <a14:hiddenLine xmlns:a14="http://schemas.microsoft.com/office/drawing/2010/main" xmlns="" w="9525">
+                <a14:hiddenLine xmlns="" xmlns:a14="http://schemas.microsoft.com/office/drawing/2010/main" w="9525">
                   <a:solidFill>
                     <a:srgbClr val="000000"/>
                   </a:solidFill>
@@ -961,7 +961,7 @@
             </a:ln>
             <a:extLst>
               <a:ext uri="{91240B29-F687-4f45-9708-019B960494DF}">
-                <a14:hiddenLine xmlns:a14="http://schemas.microsoft.com/office/drawing/2010/main" xmlns="" w="9525">
+                <a14:hiddenLine xmlns="" xmlns:a14="http://schemas.microsoft.com/office/drawing/2010/main" w="9525">
                   <a:solidFill>
                     <a:srgbClr val="000000"/>
                   </a:solidFill>
@@ -1051,7 +1051,7 @@
             </a:ln>
             <a:extLst>
               <a:ext uri="{91240B29-F687-4f45-9708-019B960494DF}">
-                <a14:hiddenLine xmlns:a14="http://schemas.microsoft.com/office/drawing/2010/main" xmlns="" w="9525">
+                <a14:hiddenLine xmlns="" xmlns:a14="http://schemas.microsoft.com/office/drawing/2010/main" w="9525">
                   <a:solidFill>
                     <a:srgbClr val="000000"/>
                   </a:solidFill>
@@ -1113,7 +1113,7 @@
             </a:ln>
             <a:extLst>
               <a:ext uri="{91240B29-F687-4f45-9708-019B960494DF}">
-                <a14:hiddenLine xmlns:a14="http://schemas.microsoft.com/office/drawing/2010/main" xmlns="" w="9525">
+                <a14:hiddenLine xmlns="" xmlns:a14="http://schemas.microsoft.com/office/drawing/2010/main" w="9525">
                   <a:solidFill>
                     <a:srgbClr val="000000"/>
                   </a:solidFill>
@@ -1223,7 +1223,7 @@
             </a:ln>
             <a:extLst>
               <a:ext uri="{91240B29-F687-4f45-9708-019B960494DF}">
-                <a14:hiddenLine xmlns:a14="http://schemas.microsoft.com/office/drawing/2010/main" xmlns="" w="9525">
+                <a14:hiddenLine xmlns="" xmlns:a14="http://schemas.microsoft.com/office/drawing/2010/main" w="9525">
                   <a:solidFill>
                     <a:srgbClr val="000000"/>
                   </a:solidFill>
@@ -1285,7 +1285,7 @@
             </a:ln>
             <a:extLst>
               <a:ext uri="{91240B29-F687-4f45-9708-019B960494DF}">
-                <a14:hiddenLine xmlns:a14="http://schemas.microsoft.com/office/drawing/2010/main" xmlns="" w="9525">
+                <a14:hiddenLine xmlns="" xmlns:a14="http://schemas.microsoft.com/office/drawing/2010/main" w="9525">
                   <a:solidFill>
                     <a:srgbClr val="000000"/>
                   </a:solidFill>
@@ -1375,7 +1375,7 @@
             </a:ln>
             <a:extLst>
               <a:ext uri="{91240B29-F687-4f45-9708-019B960494DF}">
-                <a14:hiddenLine xmlns:a14="http://schemas.microsoft.com/office/drawing/2010/main" xmlns="" w="9525">
+                <a14:hiddenLine xmlns="" xmlns:a14="http://schemas.microsoft.com/office/drawing/2010/main" w="9525">
                   <a:solidFill>
                     <a:srgbClr val="000000"/>
                   </a:solidFill>
@@ -1465,7 +1465,7 @@
             </a:ln>
             <a:extLst>
               <a:ext uri="{91240B29-F687-4f45-9708-019B960494DF}">
-                <a14:hiddenLine xmlns:a14="http://schemas.microsoft.com/office/drawing/2010/main" xmlns="" w="9525">
+                <a14:hiddenLine xmlns="" xmlns:a14="http://schemas.microsoft.com/office/drawing/2010/main" w="9525">
                   <a:solidFill>
                     <a:srgbClr val="000000"/>
                   </a:solidFill>
@@ -1527,7 +1527,7 @@
             </a:ln>
             <a:extLst>
               <a:ext uri="{91240B29-F687-4f45-9708-019B960494DF}">
-                <a14:hiddenLine xmlns:a14="http://schemas.microsoft.com/office/drawing/2010/main" xmlns="" w="9525">
+                <a14:hiddenLine xmlns="" xmlns:a14="http://schemas.microsoft.com/office/drawing/2010/main" w="9525">
                   <a:solidFill>
                     <a:srgbClr val="000000"/>
                   </a:solidFill>
@@ -1617,7 +1617,7 @@
             </a:ln>
             <a:extLst>
               <a:ext uri="{91240B29-F687-4f45-9708-019B960494DF}">
-                <a14:hiddenLine xmlns:a14="http://schemas.microsoft.com/office/drawing/2010/main" xmlns="" w="9525">
+                <a14:hiddenLine xmlns="" xmlns:a14="http://schemas.microsoft.com/office/drawing/2010/main" w="9525">
                   <a:solidFill>
                     <a:srgbClr val="000000"/>
                   </a:solidFill>
@@ -1707,7 +1707,7 @@
             </a:ln>
             <a:extLst>
               <a:ext uri="{91240B29-F687-4f45-9708-019B960494DF}">
-                <a14:hiddenLine xmlns:a14="http://schemas.microsoft.com/office/drawing/2010/main" xmlns="" w="9525">
+                <a14:hiddenLine xmlns="" xmlns:a14="http://schemas.microsoft.com/office/drawing/2010/main" w="9525">
                   <a:solidFill>
                     <a:srgbClr val="000000"/>
                   </a:solidFill>
@@ -1763,7 +1763,7 @@
             </a:ln>
             <a:extLst>
               <a:ext uri="{91240B29-F687-4f45-9708-019B960494DF}">
-                <a14:hiddenLine xmlns:a14="http://schemas.microsoft.com/office/drawing/2010/main" xmlns="" w="9525">
+                <a14:hiddenLine xmlns="" xmlns:a14="http://schemas.microsoft.com/office/drawing/2010/main" w="9525">
                   <a:solidFill>
                     <a:srgbClr val="000000"/>
                   </a:solidFill>
@@ -1853,7 +1853,7 @@
             </a:ln>
             <a:extLst>
               <a:ext uri="{91240B29-F687-4f45-9708-019B960494DF}">
-                <a14:hiddenLine xmlns:a14="http://schemas.microsoft.com/office/drawing/2010/main" xmlns="" w="9525">
+                <a14:hiddenLine xmlns="" xmlns:a14="http://schemas.microsoft.com/office/drawing/2010/main" w="9525">
                   <a:solidFill>
                     <a:srgbClr val="000000"/>
                   </a:solidFill>
@@ -1909,7 +1909,7 @@
             </a:ln>
             <a:extLst>
               <a:ext uri="{91240B29-F687-4f45-9708-019B960494DF}">
-                <a14:hiddenLine xmlns:a14="http://schemas.microsoft.com/office/drawing/2010/main" xmlns="" w="9525">
+                <a14:hiddenLine xmlns="" xmlns:a14="http://schemas.microsoft.com/office/drawing/2010/main" w="9525">
                   <a:solidFill>
                     <a:srgbClr val="000000"/>
                   </a:solidFill>
@@ -1999,7 +1999,7 @@
             </a:ln>
             <a:extLst>
               <a:ext uri="{91240B29-F687-4f45-9708-019B960494DF}">
-                <a14:hiddenLine xmlns:a14="http://schemas.microsoft.com/office/drawing/2010/main" xmlns="" w="9525">
+                <a14:hiddenLine xmlns="" xmlns:a14="http://schemas.microsoft.com/office/drawing/2010/main" w="9525">
                   <a:solidFill>
                     <a:srgbClr val="000000"/>
                   </a:solidFill>
@@ -2067,7 +2067,7 @@
             </a:ln>
             <a:extLst>
               <a:ext uri="{91240B29-F687-4f45-9708-019B960494DF}">
-                <a14:hiddenLine xmlns:a14="http://schemas.microsoft.com/office/drawing/2010/main" xmlns="" w="9525">
+                <a14:hiddenLine xmlns="" xmlns:a14="http://schemas.microsoft.com/office/drawing/2010/main" w="9525">
                   <a:solidFill>
                     <a:srgbClr val="000000"/>
                   </a:solidFill>
@@ -2157,7 +2157,7 @@
             </a:ln>
             <a:extLst>
               <a:ext uri="{91240B29-F687-4f45-9708-019B960494DF}">
-                <a14:hiddenLine xmlns:a14="http://schemas.microsoft.com/office/drawing/2010/main" xmlns="" w="9525">
+                <a14:hiddenLine xmlns="" xmlns:a14="http://schemas.microsoft.com/office/drawing/2010/main" w="9525">
                   <a:solidFill>
                     <a:srgbClr val="000000"/>
                   </a:solidFill>
@@ -2225,7 +2225,7 @@
             </a:ln>
             <a:extLst>
               <a:ext uri="{91240B29-F687-4f45-9708-019B960494DF}">
-                <a14:hiddenLine xmlns:a14="http://schemas.microsoft.com/office/drawing/2010/main" xmlns="" w="9525">
+                <a14:hiddenLine xmlns="" xmlns:a14="http://schemas.microsoft.com/office/drawing/2010/main" w="9525">
                   <a:solidFill>
                     <a:srgbClr val="000000"/>
                   </a:solidFill>
@@ -2315,7 +2315,7 @@
             </a:ln>
             <a:extLst>
               <a:ext uri="{91240B29-F687-4f45-9708-019B960494DF}">
-                <a14:hiddenLine xmlns:a14="http://schemas.microsoft.com/office/drawing/2010/main" xmlns="" w="9525">
+                <a14:hiddenLine xmlns="" xmlns:a14="http://schemas.microsoft.com/office/drawing/2010/main" w="9525">
                   <a:solidFill>
                     <a:srgbClr val="000000"/>
                   </a:solidFill>
@@ -2349,7 +2349,7 @@
             </a:ln>
             <a:extLst>
               <a:ext uri="{91240B29-F687-4f45-9708-019B960494DF}">
-                <a14:hiddenLine xmlns:a14="http://schemas.microsoft.com/office/drawing/2010/main" xmlns="" w="9525">
+                <a14:hiddenLine xmlns="" xmlns:a14="http://schemas.microsoft.com/office/drawing/2010/main" w="9525">
                   <a:solidFill>
                     <a:srgbClr val="000000"/>
                   </a:solidFill>
@@ -2439,7 +2439,7 @@
             </a:ln>
             <a:extLst>
               <a:ext uri="{91240B29-F687-4f45-9708-019B960494DF}">
-                <a14:hiddenLine xmlns:a14="http://schemas.microsoft.com/office/drawing/2010/main" xmlns="" w="9525">
+                <a14:hiddenLine xmlns="" xmlns:a14="http://schemas.microsoft.com/office/drawing/2010/main" w="9525">
                   <a:solidFill>
                     <a:srgbClr val="000000"/>
                   </a:solidFill>
@@ -2501,7 +2501,7 @@
             </a:ln>
             <a:extLst>
               <a:ext uri="{91240B29-F687-4f45-9708-019B960494DF}">
-                <a14:hiddenLine xmlns:a14="http://schemas.microsoft.com/office/drawing/2010/main" xmlns="" w="9525">
+                <a14:hiddenLine xmlns="" xmlns:a14="http://schemas.microsoft.com/office/drawing/2010/main" w="9525">
                   <a:solidFill>
                     <a:srgbClr val="000000"/>
                   </a:solidFill>
@@ -2563,7 +2563,7 @@
             </a:ln>
             <a:extLst>
               <a:ext uri="{91240B29-F687-4f45-9708-019B960494DF}">
-                <a14:hiddenLine xmlns:a14="http://schemas.microsoft.com/office/drawing/2010/main" xmlns="" w="9525">
+                <a14:hiddenLine xmlns="" xmlns:a14="http://schemas.microsoft.com/office/drawing/2010/main" w="9525">
                   <a:solidFill>
                     <a:srgbClr val="000000"/>
                   </a:solidFill>
@@ -2653,7 +2653,7 @@
             </a:ln>
             <a:extLst>
               <a:ext uri="{91240B29-F687-4f45-9708-019B960494DF}">
-                <a14:hiddenLine xmlns:a14="http://schemas.microsoft.com/office/drawing/2010/main" xmlns="" w="9525">
+                <a14:hiddenLine xmlns="" xmlns:a14="http://schemas.microsoft.com/office/drawing/2010/main" w="9525">
                   <a:solidFill>
                     <a:srgbClr val="000000"/>
                   </a:solidFill>
@@ -2721,7 +2721,7 @@
             </a:ln>
             <a:extLst>
               <a:ext uri="{91240B29-F687-4f45-9708-019B960494DF}">
-                <a14:hiddenLine xmlns:a14="http://schemas.microsoft.com/office/drawing/2010/main" xmlns="" w="9525">
+                <a14:hiddenLine xmlns="" xmlns:a14="http://schemas.microsoft.com/office/drawing/2010/main" w="9525">
                   <a:solidFill>
                     <a:srgbClr val="000000"/>
                   </a:solidFill>
@@ -2783,7 +2783,7 @@
             </a:ln>
             <a:extLst>
               <a:ext uri="{91240B29-F687-4f45-9708-019B960494DF}">
-                <a14:hiddenLine xmlns:a14="http://schemas.microsoft.com/office/drawing/2010/main" xmlns="" w="9525">
+                <a14:hiddenLine xmlns="" xmlns:a14="http://schemas.microsoft.com/office/drawing/2010/main" w="9525">
                   <a:solidFill>
                     <a:srgbClr val="000000"/>
                   </a:solidFill>
@@ -2873,7 +2873,7 @@
             </a:ln>
             <a:extLst>
               <a:ext uri="{91240B29-F687-4f45-9708-019B960494DF}">
-                <a14:hiddenLine xmlns:a14="http://schemas.microsoft.com/office/drawing/2010/main" xmlns="" w="9525">
+                <a14:hiddenLine xmlns="" xmlns:a14="http://schemas.microsoft.com/office/drawing/2010/main" w="9525">
                   <a:solidFill>
                     <a:srgbClr val="000000"/>
                   </a:solidFill>
@@ -2935,7 +2935,7 @@
             </a:ln>
             <a:extLst>
               <a:ext uri="{91240B29-F687-4f45-9708-019B960494DF}">
-                <a14:hiddenLine xmlns:a14="http://schemas.microsoft.com/office/drawing/2010/main" xmlns="" w="9525">
+                <a14:hiddenLine xmlns="" xmlns:a14="http://schemas.microsoft.com/office/drawing/2010/main" w="9525">
                   <a:solidFill>
                     <a:srgbClr val="000000"/>
                   </a:solidFill>
@@ -3025,7 +3025,7 @@
             </a:ln>
             <a:extLst>
               <a:ext uri="{91240B29-F687-4f45-9708-019B960494DF}">
-                <a14:hiddenLine xmlns:a14="http://schemas.microsoft.com/office/drawing/2010/main" xmlns="" w="9525">
+                <a14:hiddenLine xmlns="" xmlns:a14="http://schemas.microsoft.com/office/drawing/2010/main" w="9525">
                   <a:solidFill>
                     <a:srgbClr val="000000"/>
                   </a:solidFill>
@@ -3087,7 +3087,7 @@
             </a:ln>
             <a:extLst>
               <a:ext uri="{91240B29-F687-4f45-9708-019B960494DF}">
-                <a14:hiddenLine xmlns:a14="http://schemas.microsoft.com/office/drawing/2010/main" xmlns="" w="9525">
+                <a14:hiddenLine xmlns="" xmlns:a14="http://schemas.microsoft.com/office/drawing/2010/main" w="9525">
                   <a:solidFill>
                     <a:srgbClr val="000000"/>
                   </a:solidFill>
@@ -3177,7 +3177,7 @@
             </a:ln>
             <a:extLst>
               <a:ext uri="{91240B29-F687-4f45-9708-019B960494DF}">
-                <a14:hiddenLine xmlns:a14="http://schemas.microsoft.com/office/drawing/2010/main" xmlns="" w="9525">
+                <a14:hiddenLine xmlns="" xmlns:a14="http://schemas.microsoft.com/office/drawing/2010/main" w="9525">
                   <a:solidFill>
                     <a:srgbClr val="000000"/>
                   </a:solidFill>
@@ -3211,7 +3211,7 @@
             </a:ln>
             <a:extLst>
               <a:ext uri="{91240B29-F687-4f45-9708-019B960494DF}">
-                <a14:hiddenLine xmlns:a14="http://schemas.microsoft.com/office/drawing/2010/main" xmlns="" w="9525">
+                <a14:hiddenLine xmlns="" xmlns:a14="http://schemas.microsoft.com/office/drawing/2010/main" w="9525">
                   <a:solidFill>
                     <a:srgbClr val="000000"/>
                   </a:solidFill>
@@ -3276,7 +3276,7 @@
             </a:ln>
             <a:extLst>
               <a:ext uri="{91240B29-F687-4f45-9708-019B960494DF}">
-                <a14:hiddenLine xmlns:a14="http://schemas.microsoft.com/office/drawing/2010/main" xmlns="" w="9525">
+                <a14:hiddenLine xmlns="" xmlns:a14="http://schemas.microsoft.com/office/drawing/2010/main" w="9525">
                   <a:solidFill>
                     <a:srgbClr val="000000"/>
                   </a:solidFill>
@@ -3366,7 +3366,7 @@
             </a:ln>
             <a:extLst>
               <a:ext uri="{91240B29-F687-4f45-9708-019B960494DF}">
-                <a14:hiddenLine xmlns:a14="http://schemas.microsoft.com/office/drawing/2010/main" xmlns="" w="9525">
+                <a14:hiddenLine xmlns="" xmlns:a14="http://schemas.microsoft.com/office/drawing/2010/main" w="9525">
                   <a:solidFill>
                     <a:srgbClr val="000000"/>
                   </a:solidFill>
@@ -3428,7 +3428,7 @@
             </a:ln>
             <a:extLst>
               <a:ext uri="{91240B29-F687-4f45-9708-019B960494DF}">
-                <a14:hiddenLine xmlns:a14="http://schemas.microsoft.com/office/drawing/2010/main" xmlns="" w="9525">
+                <a14:hiddenLine xmlns="" xmlns:a14="http://schemas.microsoft.com/office/drawing/2010/main" w="9525">
                   <a:solidFill>
                     <a:srgbClr val="000000"/>
                   </a:solidFill>
@@ -3518,7 +3518,7 @@
             </a:ln>
             <a:extLst>
               <a:ext uri="{91240B29-F687-4f45-9708-019B960494DF}">
-                <a14:hiddenLine xmlns:a14="http://schemas.microsoft.com/office/drawing/2010/main" xmlns="" w="9525">
+                <a14:hiddenLine xmlns="" xmlns:a14="http://schemas.microsoft.com/office/drawing/2010/main" w="9525">
                   <a:solidFill>
                     <a:srgbClr val="000000"/>
                   </a:solidFill>
@@ -3608,7 +3608,7 @@
             </a:ln>
             <a:extLst>
               <a:ext uri="{91240B29-F687-4f45-9708-019B960494DF}">
-                <a14:hiddenLine xmlns:a14="http://schemas.microsoft.com/office/drawing/2010/main" xmlns="" w="9525">
+                <a14:hiddenLine xmlns="" xmlns:a14="http://schemas.microsoft.com/office/drawing/2010/main" w="9525">
                   <a:solidFill>
                     <a:srgbClr val="000000"/>
                   </a:solidFill>
@@ -3673,7 +3673,7 @@
             </a:ln>
             <a:extLst>
               <a:ext uri="{91240B29-F687-4f45-9708-019B960494DF}">
-                <a14:hiddenLine xmlns:a14="http://schemas.microsoft.com/office/drawing/2010/main" xmlns="" w="9525">
+                <a14:hiddenLine xmlns="" xmlns:a14="http://schemas.microsoft.com/office/drawing/2010/main" w="9525">
                   <a:solidFill>
                     <a:srgbClr val="000000"/>
                   </a:solidFill>
@@ -3735,7 +3735,7 @@
             </a:ln>
             <a:extLst>
               <a:ext uri="{91240B29-F687-4f45-9708-019B960494DF}">
-                <a14:hiddenLine xmlns:a14="http://schemas.microsoft.com/office/drawing/2010/main" xmlns="" w="9525">
+                <a14:hiddenLine xmlns="" xmlns:a14="http://schemas.microsoft.com/office/drawing/2010/main" w="9525">
                   <a:solidFill>
                     <a:srgbClr val="000000"/>
                   </a:solidFill>
@@ -3825,7 +3825,7 @@
             </a:ln>
             <a:extLst>
               <a:ext uri="{91240B29-F687-4f45-9708-019B960494DF}">
-                <a14:hiddenLine xmlns:a14="http://schemas.microsoft.com/office/drawing/2010/main" xmlns="" w="9525">
+                <a14:hiddenLine xmlns="" xmlns:a14="http://schemas.microsoft.com/office/drawing/2010/main" w="9525">
                   <a:solidFill>
                     <a:srgbClr val="000000"/>
                   </a:solidFill>
@@ -3915,7 +3915,7 @@
             </a:ln>
             <a:extLst>
               <a:ext uri="{91240B29-F687-4f45-9708-019B960494DF}">
-                <a14:hiddenLine xmlns:a14="http://schemas.microsoft.com/office/drawing/2010/main" xmlns="" w="9525">
+                <a14:hiddenLine xmlns="" xmlns:a14="http://schemas.microsoft.com/office/drawing/2010/main" w="9525">
                   <a:solidFill>
                     <a:srgbClr val="000000"/>
                   </a:solidFill>
@@ -3977,7 +3977,7 @@
             </a:ln>
             <a:extLst>
               <a:ext uri="{91240B29-F687-4f45-9708-019B960494DF}">
-                <a14:hiddenLine xmlns:a14="http://schemas.microsoft.com/office/drawing/2010/main" xmlns="" w="9525">
+                <a14:hiddenLine xmlns="" xmlns:a14="http://schemas.microsoft.com/office/drawing/2010/main" w="9525">
                   <a:solidFill>
                     <a:srgbClr val="000000"/>
                   </a:solidFill>
@@ -4097,7 +4097,7 @@
             </a:ln>
             <a:extLst>
               <a:ext uri="{91240B29-F687-4f45-9708-019B960494DF}">
-                <a14:hiddenLine xmlns:a14="http://schemas.microsoft.com/office/drawing/2010/main" xmlns="" w="9525">
+                <a14:hiddenLine xmlns="" xmlns:a14="http://schemas.microsoft.com/office/drawing/2010/main" w="9525">
                   <a:solidFill>
                     <a:srgbClr val="000000"/>
                   </a:solidFill>
@@ -4165,7 +4165,7 @@
             </a:ln>
             <a:extLst>
               <a:ext uri="{91240B29-F687-4f45-9708-019B960494DF}">
-                <a14:hiddenLine xmlns:a14="http://schemas.microsoft.com/office/drawing/2010/main" xmlns="" w="9525">
+                <a14:hiddenLine xmlns="" xmlns:a14="http://schemas.microsoft.com/office/drawing/2010/main" w="9525">
                   <a:solidFill>
                     <a:srgbClr val="000000"/>
                   </a:solidFill>
@@ -4255,7 +4255,7 @@
             </a:ln>
             <a:extLst>
               <a:ext uri="{91240B29-F687-4f45-9708-019B960494DF}">
-                <a14:hiddenLine xmlns:a14="http://schemas.microsoft.com/office/drawing/2010/main" xmlns="" w="9525">
+                <a14:hiddenLine xmlns="" xmlns:a14="http://schemas.microsoft.com/office/drawing/2010/main" w="9525">
                   <a:solidFill>
                     <a:srgbClr val="000000"/>
                   </a:solidFill>
@@ -8977,7 +8977,7 @@
           <a:noFill/>
           <a:extLst>
             <a:ext uri="{909E8E84-426E-40dd-AFC4-6F175D3DCCD1}">
-              <a14:hiddenFill xmlns:a14="http://schemas.microsoft.com/office/drawing/2010/main" xmlns="">
+              <a14:hiddenFill xmlns="" xmlns:a14="http://schemas.microsoft.com/office/drawing/2010/main">
                 <a:solidFill>
                   <a:srgbClr val="FFFFFF"/>
                 </a:solidFill>
@@ -9051,7 +9051,7 @@
               </a:ln>
               <a:extLst>
                 <a:ext uri="{91240B29-F687-4f45-9708-019B960494DF}">
-                  <a14:hiddenLine xmlns:a14="http://schemas.microsoft.com/office/drawing/2010/main" xmlns="" w="9525">
+                  <a14:hiddenLine xmlns="" xmlns:a14="http://schemas.microsoft.com/office/drawing/2010/main" w="9525">
                     <a:solidFill>
                       <a:srgbClr val="000000"/>
                     </a:solidFill>
@@ -9141,7 +9141,7 @@
               </a:ln>
               <a:extLst>
                 <a:ext uri="{91240B29-F687-4f45-9708-019B960494DF}">
-                  <a14:hiddenLine xmlns:a14="http://schemas.microsoft.com/office/drawing/2010/main" xmlns="" w="9525">
+                  <a14:hiddenLine xmlns="" xmlns:a14="http://schemas.microsoft.com/office/drawing/2010/main" w="9525">
                     <a:solidFill>
                       <a:srgbClr val="000000"/>
                     </a:solidFill>
@@ -9231,7 +9231,7 @@
               </a:ln>
               <a:extLst>
                 <a:ext uri="{91240B29-F687-4f45-9708-019B960494DF}">
-                  <a14:hiddenLine xmlns:a14="http://schemas.microsoft.com/office/drawing/2010/main" xmlns="" w="9525">
+                  <a14:hiddenLine xmlns="" xmlns:a14="http://schemas.microsoft.com/office/drawing/2010/main" w="9525">
                     <a:solidFill>
                       <a:srgbClr val="000000"/>
                     </a:solidFill>
@@ -9293,7 +9293,7 @@
               </a:ln>
               <a:extLst>
                 <a:ext uri="{91240B29-F687-4f45-9708-019B960494DF}">
-                  <a14:hiddenLine xmlns:a14="http://schemas.microsoft.com/office/drawing/2010/main" xmlns="" w="9525">
+                  <a14:hiddenLine xmlns="" xmlns:a14="http://schemas.microsoft.com/office/drawing/2010/main" w="9525">
                     <a:solidFill>
                       <a:srgbClr val="000000"/>
                     </a:solidFill>
@@ -9383,7 +9383,7 @@
               </a:ln>
               <a:extLst>
                 <a:ext uri="{91240B29-F687-4f45-9708-019B960494DF}">
-                  <a14:hiddenLine xmlns:a14="http://schemas.microsoft.com/office/drawing/2010/main" xmlns="" w="9525">
+                  <a14:hiddenLine xmlns="" xmlns:a14="http://schemas.microsoft.com/office/drawing/2010/main" w="9525">
                     <a:solidFill>
                       <a:srgbClr val="000000"/>
                     </a:solidFill>
@@ -9445,7 +9445,7 @@
               </a:ln>
               <a:extLst>
                 <a:ext uri="{91240B29-F687-4f45-9708-019B960494DF}">
-                  <a14:hiddenLine xmlns:a14="http://schemas.microsoft.com/office/drawing/2010/main" xmlns="" w="9525">
+                  <a14:hiddenLine xmlns="" xmlns:a14="http://schemas.microsoft.com/office/drawing/2010/main" w="9525">
                     <a:solidFill>
                       <a:srgbClr val="000000"/>
                     </a:solidFill>
@@ -9507,7 +9507,7 @@
               </a:ln>
               <a:extLst>
                 <a:ext uri="{91240B29-F687-4f45-9708-019B960494DF}">
-                  <a14:hiddenLine xmlns:a14="http://schemas.microsoft.com/office/drawing/2010/main" xmlns="" w="9525">
+                  <a14:hiddenLine xmlns="" xmlns:a14="http://schemas.microsoft.com/office/drawing/2010/main" w="9525">
                     <a:solidFill>
                       <a:srgbClr val="000000"/>
                     </a:solidFill>
@@ -9597,7 +9597,7 @@
               </a:ln>
               <a:extLst>
                 <a:ext uri="{91240B29-F687-4f45-9708-019B960494DF}">
-                  <a14:hiddenLine xmlns:a14="http://schemas.microsoft.com/office/drawing/2010/main" xmlns="" w="9525">
+                  <a14:hiddenLine xmlns="" xmlns:a14="http://schemas.microsoft.com/office/drawing/2010/main" w="9525">
                     <a:solidFill>
                       <a:srgbClr val="000000"/>
                     </a:solidFill>
@@ -9687,7 +9687,7 @@
               </a:ln>
               <a:extLst>
                 <a:ext uri="{91240B29-F687-4f45-9708-019B960494DF}">
-                  <a14:hiddenLine xmlns:a14="http://schemas.microsoft.com/office/drawing/2010/main" xmlns="" w="9525">
+                  <a14:hiddenLine xmlns="" xmlns:a14="http://schemas.microsoft.com/office/drawing/2010/main" w="9525">
                     <a:solidFill>
                       <a:srgbClr val="000000"/>
                     </a:solidFill>
@@ -9749,7 +9749,7 @@
               </a:ln>
               <a:extLst>
                 <a:ext uri="{91240B29-F687-4f45-9708-019B960494DF}">
-                  <a14:hiddenLine xmlns:a14="http://schemas.microsoft.com/office/drawing/2010/main" xmlns="" w="9525">
+                  <a14:hiddenLine xmlns="" xmlns:a14="http://schemas.microsoft.com/office/drawing/2010/main" w="9525">
                     <a:solidFill>
                       <a:srgbClr val="000000"/>
                     </a:solidFill>
@@ -9859,7 +9859,7 @@
               </a:ln>
               <a:extLst>
                 <a:ext uri="{91240B29-F687-4f45-9708-019B960494DF}">
-                  <a14:hiddenLine xmlns:a14="http://schemas.microsoft.com/office/drawing/2010/main" xmlns="" w="9525">
+                  <a14:hiddenLine xmlns="" xmlns:a14="http://schemas.microsoft.com/office/drawing/2010/main" w="9525">
                     <a:solidFill>
                       <a:srgbClr val="000000"/>
                     </a:solidFill>
@@ -9943,7 +9943,7 @@
               </a:ln>
               <a:extLst>
                 <a:ext uri="{91240B29-F687-4f45-9708-019B960494DF}">
-                  <a14:hiddenLine xmlns:a14="http://schemas.microsoft.com/office/drawing/2010/main" xmlns="" w="9525">
+                  <a14:hiddenLine xmlns="" xmlns:a14="http://schemas.microsoft.com/office/drawing/2010/main" w="9525">
                     <a:solidFill>
                       <a:srgbClr val="000000"/>
                     </a:solidFill>
@@ -10005,7 +10005,7 @@
               </a:ln>
               <a:extLst>
                 <a:ext uri="{91240B29-F687-4f45-9708-019B960494DF}">
-                  <a14:hiddenLine xmlns:a14="http://schemas.microsoft.com/office/drawing/2010/main" xmlns="" w="9525">
+                  <a14:hiddenLine xmlns="" xmlns:a14="http://schemas.microsoft.com/office/drawing/2010/main" w="9525">
                     <a:solidFill>
                       <a:srgbClr val="000000"/>
                     </a:solidFill>
@@ -10067,7 +10067,7 @@
               </a:ln>
               <a:extLst>
                 <a:ext uri="{91240B29-F687-4f45-9708-019B960494DF}">
-                  <a14:hiddenLine xmlns:a14="http://schemas.microsoft.com/office/drawing/2010/main" xmlns="" w="9525">
+                  <a14:hiddenLine xmlns="" xmlns:a14="http://schemas.microsoft.com/office/drawing/2010/main" w="9525">
                     <a:solidFill>
                       <a:srgbClr val="000000"/>
                     </a:solidFill>
@@ -10157,7 +10157,7 @@
               </a:ln>
               <a:extLst>
                 <a:ext uri="{91240B29-F687-4f45-9708-019B960494DF}">
-                  <a14:hiddenLine xmlns:a14="http://schemas.microsoft.com/office/drawing/2010/main" xmlns="" w="9525">
+                  <a14:hiddenLine xmlns="" xmlns:a14="http://schemas.microsoft.com/office/drawing/2010/main" w="9525">
                     <a:solidFill>
                       <a:srgbClr val="000000"/>
                     </a:solidFill>
@@ -10191,7 +10191,7 @@
               </a:ln>
               <a:extLst>
                 <a:ext uri="{91240B29-F687-4f45-9708-019B960494DF}">
-                  <a14:hiddenLine xmlns:a14="http://schemas.microsoft.com/office/drawing/2010/main" xmlns="" w="9525">
+                  <a14:hiddenLine xmlns="" xmlns:a14="http://schemas.microsoft.com/office/drawing/2010/main" w="9525">
                     <a:solidFill>
                       <a:srgbClr val="000000"/>
                     </a:solidFill>
@@ -10256,7 +10256,7 @@
               </a:ln>
               <a:extLst>
                 <a:ext uri="{91240B29-F687-4f45-9708-019B960494DF}">
-                  <a14:hiddenLine xmlns:a14="http://schemas.microsoft.com/office/drawing/2010/main" xmlns="" w="9525">
+                  <a14:hiddenLine xmlns="" xmlns:a14="http://schemas.microsoft.com/office/drawing/2010/main" w="9525">
                     <a:solidFill>
                       <a:srgbClr val="000000"/>
                     </a:solidFill>
@@ -10346,7 +10346,7 @@
               </a:ln>
               <a:extLst>
                 <a:ext uri="{91240B29-F687-4f45-9708-019B960494DF}">
-                  <a14:hiddenLine xmlns:a14="http://schemas.microsoft.com/office/drawing/2010/main" xmlns="" w="9525">
+                  <a14:hiddenLine xmlns="" xmlns:a14="http://schemas.microsoft.com/office/drawing/2010/main" w="9525">
                     <a:solidFill>
                       <a:srgbClr val="000000"/>
                     </a:solidFill>
@@ -10408,7 +10408,7 @@
               </a:ln>
               <a:extLst>
                 <a:ext uri="{91240B29-F687-4f45-9708-019B960494DF}">
-                  <a14:hiddenLine xmlns:a14="http://schemas.microsoft.com/office/drawing/2010/main" xmlns="" w="9525">
+                  <a14:hiddenLine xmlns="" xmlns:a14="http://schemas.microsoft.com/office/drawing/2010/main" w="9525">
                     <a:solidFill>
                       <a:srgbClr val="000000"/>
                     </a:solidFill>
@@ -10498,7 +10498,7 @@
               </a:ln>
               <a:extLst>
                 <a:ext uri="{91240B29-F687-4f45-9708-019B960494DF}">
-                  <a14:hiddenLine xmlns:a14="http://schemas.microsoft.com/office/drawing/2010/main" xmlns="" w="9525">
+                  <a14:hiddenLine xmlns="" xmlns:a14="http://schemas.microsoft.com/office/drawing/2010/main" w="9525">
                     <a:solidFill>
                       <a:srgbClr val="000000"/>
                     </a:solidFill>
@@ -10563,7 +10563,7 @@
               </a:ln>
               <a:extLst>
                 <a:ext uri="{91240B29-F687-4f45-9708-019B960494DF}">
-                  <a14:hiddenLine xmlns:a14="http://schemas.microsoft.com/office/drawing/2010/main" xmlns="" w="9525">
+                  <a14:hiddenLine xmlns="" xmlns:a14="http://schemas.microsoft.com/office/drawing/2010/main" w="9525">
                     <a:solidFill>
                       <a:srgbClr val="000000"/>
                     </a:solidFill>
@@ -10625,7 +10625,7 @@
               </a:ln>
               <a:extLst>
                 <a:ext uri="{91240B29-F687-4f45-9708-019B960494DF}">
-                  <a14:hiddenLine xmlns:a14="http://schemas.microsoft.com/office/drawing/2010/main" xmlns="" w="9525">
+                  <a14:hiddenLine xmlns="" xmlns:a14="http://schemas.microsoft.com/office/drawing/2010/main" w="9525">
                     <a:solidFill>
                       <a:srgbClr val="000000"/>
                     </a:solidFill>
@@ -10715,7 +10715,7 @@
               </a:ln>
               <a:extLst>
                 <a:ext uri="{91240B29-F687-4f45-9708-019B960494DF}">
-                  <a14:hiddenLine xmlns:a14="http://schemas.microsoft.com/office/drawing/2010/main" xmlns="" w="9525">
+                  <a14:hiddenLine xmlns="" xmlns:a14="http://schemas.microsoft.com/office/drawing/2010/main" w="9525">
                     <a:solidFill>
                       <a:srgbClr val="000000"/>
                     </a:solidFill>
@@ -10805,7 +10805,7 @@
               </a:ln>
               <a:extLst>
                 <a:ext uri="{91240B29-F687-4f45-9708-019B960494DF}">
-                  <a14:hiddenLine xmlns:a14="http://schemas.microsoft.com/office/drawing/2010/main" xmlns="" w="9525">
+                  <a14:hiddenLine xmlns="" xmlns:a14="http://schemas.microsoft.com/office/drawing/2010/main" w="9525">
                     <a:solidFill>
                       <a:srgbClr val="000000"/>
                     </a:solidFill>
@@ -10870,7 +10870,7 @@
               </a:ln>
               <a:extLst>
                 <a:ext uri="{91240B29-F687-4f45-9708-019B960494DF}">
-                  <a14:hiddenLine xmlns:a14="http://schemas.microsoft.com/office/drawing/2010/main" xmlns="" w="9525">
+                  <a14:hiddenLine xmlns="" xmlns:a14="http://schemas.microsoft.com/office/drawing/2010/main" w="9525">
                     <a:solidFill>
                       <a:srgbClr val="000000"/>
                     </a:solidFill>
@@ -10990,7 +10990,7 @@
               </a:ln>
               <a:extLst>
                 <a:ext uri="{91240B29-F687-4f45-9708-019B960494DF}">
-                  <a14:hiddenLine xmlns:a14="http://schemas.microsoft.com/office/drawing/2010/main" xmlns="" w="9525">
+                  <a14:hiddenLine xmlns="" xmlns:a14="http://schemas.microsoft.com/office/drawing/2010/main" w="9525">
                     <a:solidFill>
                       <a:srgbClr val="000000"/>
                     </a:solidFill>
@@ -11088,7 +11088,7 @@
               </a:ln>
               <a:extLst>
                 <a:ext uri="{91240B29-F687-4f45-9708-019B960494DF}">
-                  <a14:hiddenLine xmlns:a14="http://schemas.microsoft.com/office/drawing/2010/main" xmlns="" w="9525">
+                  <a14:hiddenLine xmlns="" xmlns:a14="http://schemas.microsoft.com/office/drawing/2010/main" w="9525">
                     <a:solidFill>
                       <a:srgbClr val="000000"/>
                     </a:solidFill>
@@ -11203,7 +11203,7 @@
               </a:ln>
               <a:extLst>
                 <a:ext uri="{91240B29-F687-4f45-9708-019B960494DF}">
-                  <a14:hiddenLine xmlns:a14="http://schemas.microsoft.com/office/drawing/2010/main" xmlns="" w="9525">
+                  <a14:hiddenLine xmlns="" xmlns:a14="http://schemas.microsoft.com/office/drawing/2010/main" w="9525">
                     <a:solidFill>
                       <a:srgbClr val="000000"/>
                     </a:solidFill>
@@ -11293,7 +11293,7 @@
               </a:ln>
               <a:extLst>
                 <a:ext uri="{91240B29-F687-4f45-9708-019B960494DF}">
-                  <a14:hiddenLine xmlns:a14="http://schemas.microsoft.com/office/drawing/2010/main" xmlns="" w="9525">
+                  <a14:hiddenLine xmlns="" xmlns:a14="http://schemas.microsoft.com/office/drawing/2010/main" w="9525">
                     <a:solidFill>
                       <a:srgbClr val="000000"/>
                     </a:solidFill>
@@ -11358,7 +11358,7 @@
               </a:ln>
               <a:extLst>
                 <a:ext uri="{91240B29-F687-4f45-9708-019B960494DF}">
-                  <a14:hiddenLine xmlns:a14="http://schemas.microsoft.com/office/drawing/2010/main" xmlns="" w="9525">
+                  <a14:hiddenLine xmlns="" xmlns:a14="http://schemas.microsoft.com/office/drawing/2010/main" w="9525">
                     <a:solidFill>
                       <a:srgbClr val="000000"/>
                     </a:solidFill>
@@ -11448,7 +11448,7 @@
               </a:ln>
               <a:extLst>
                 <a:ext uri="{91240B29-F687-4f45-9708-019B960494DF}">
-                  <a14:hiddenLine xmlns:a14="http://schemas.microsoft.com/office/drawing/2010/main" xmlns="" w="9525">
+                  <a14:hiddenLine xmlns="" xmlns:a14="http://schemas.microsoft.com/office/drawing/2010/main" w="9525">
                     <a:solidFill>
                       <a:srgbClr val="000000"/>
                     </a:solidFill>
@@ -11516,7 +11516,7 @@
               </a:ln>
               <a:extLst>
                 <a:ext uri="{91240B29-F687-4f45-9708-019B960494DF}">
-                  <a14:hiddenLine xmlns:a14="http://schemas.microsoft.com/office/drawing/2010/main" xmlns="" w="9525">
+                  <a14:hiddenLine xmlns="" xmlns:a14="http://schemas.microsoft.com/office/drawing/2010/main" w="9525">
                     <a:solidFill>
                       <a:srgbClr val="000000"/>
                     </a:solidFill>
@@ -11606,7 +11606,7 @@
               </a:ln>
               <a:extLst>
                 <a:ext uri="{91240B29-F687-4f45-9708-019B960494DF}">
-                  <a14:hiddenLine xmlns:a14="http://schemas.microsoft.com/office/drawing/2010/main" xmlns="" w="9525">
+                  <a14:hiddenLine xmlns="" xmlns:a14="http://schemas.microsoft.com/office/drawing/2010/main" w="9525">
                     <a:solidFill>
                       <a:srgbClr val="000000"/>
                     </a:solidFill>
@@ -11674,7 +11674,7 @@
               </a:ln>
               <a:extLst>
                 <a:ext uri="{91240B29-F687-4f45-9708-019B960494DF}">
-                  <a14:hiddenLine xmlns:a14="http://schemas.microsoft.com/office/drawing/2010/main" xmlns="" w="9525">
+                  <a14:hiddenLine xmlns="" xmlns:a14="http://schemas.microsoft.com/office/drawing/2010/main" w="9525">
                     <a:solidFill>
                       <a:srgbClr val="000000"/>
                     </a:solidFill>
@@ -11764,7 +11764,7 @@
               </a:ln>
               <a:extLst>
                 <a:ext uri="{91240B29-F687-4f45-9708-019B960494DF}">
-                  <a14:hiddenLine xmlns:a14="http://schemas.microsoft.com/office/drawing/2010/main" xmlns="" w="9525">
+                  <a14:hiddenLine xmlns="" xmlns:a14="http://schemas.microsoft.com/office/drawing/2010/main" w="9525">
                     <a:solidFill>
                       <a:srgbClr val="000000"/>
                     </a:solidFill>
@@ -11798,7 +11798,7 @@
               </a:ln>
               <a:extLst>
                 <a:ext uri="{91240B29-F687-4f45-9708-019B960494DF}">
-                  <a14:hiddenLine xmlns:a14="http://schemas.microsoft.com/office/drawing/2010/main" xmlns="" w="9525">
+                  <a14:hiddenLine xmlns="" xmlns:a14="http://schemas.microsoft.com/office/drawing/2010/main" w="9525">
                     <a:solidFill>
                       <a:srgbClr val="000000"/>
                     </a:solidFill>
@@ -12404,7 +12404,10 @@
           <a:bodyPr/>
           <a:lstStyle/>
           <a:p>
-            <a:endParaRPr lang="en-US"/>
+            <a:r>
+              <a:rPr lang="en-US" dirty="0"/>
+              <a:t>https://github.com/guerinsylvain/poc-state-machine-elsa</a:t>
+            </a:r>
           </a:p>
         </p:txBody>
       </p:sp>
@@ -13341,7 +13344,7 @@
         </p:nvSpPr>
         <p:spPr>
           <a:xfrm>
-            <a:off x="1236662" y="1973730"/>
+            <a:off x="1385343" y="2020948"/>
             <a:ext cx="9905999" cy="3541714"/>
           </a:xfrm>
         </p:spPr>
@@ -13357,18 +13360,27 @@
               <a:rPr lang="en-US" dirty="0" err="1"/>
               <a:t>devs</a:t>
             </a:r>
-            <a:endParaRPr lang="en-US" dirty="0"/>
-          </a:p>
-          <a:p>
             <a:r>
               <a:rPr lang="en-US" dirty="0"/>
-              <a:t>High-level documentation always in sync with the code</a:t>
+              <a:t> (and also with testers and support)</a:t>
+            </a:r>
+          </a:p>
+          <a:p>
+            <a:r>
+              <a:rPr lang="en-US" dirty="0"/>
+              <a:t>High-level up to date documentation always in sync with the code</a:t>
             </a:r>
           </a:p>
           <a:p>
             <a:r>
               <a:rPr lang="en-US" dirty="0"/>
               <a:t>Activities can be grouped by semantic</a:t>
+            </a:r>
+          </a:p>
+          <a:p>
+            <a:r>
+              <a:rPr lang="en-US" dirty="0"/>
+              <a:t>State can be spread through the workflow</a:t>
             </a:r>
           </a:p>
           <a:p>
@@ -13752,6 +13764,55 @@
                                           <p:spTgt spid="3">
                                             <p:txEl>
                                               <p:pRg st="3" end="3"/>
+                                            </p:txEl>
+                                          </p:spTgt>
+                                        </p:tgtEl>
+                                        <p:attrNameLst>
+                                          <p:attrName>style.visibility</p:attrName>
+                                        </p:attrNameLst>
+                                      </p:cBhvr>
+                                      <p:to>
+                                        <p:strVal val="visible"/>
+                                      </p:to>
+                                    </p:set>
+                                  </p:childTnLst>
+                                </p:cTn>
+                              </p:par>
+                            </p:childTnLst>
+                          </p:cTn>
+                        </p:par>
+                      </p:childTnLst>
+                    </p:cTn>
+                  </p:par>
+                  <p:par>
+                    <p:cTn id="29" fill="hold">
+                      <p:stCondLst>
+                        <p:cond delay="indefinite"/>
+                      </p:stCondLst>
+                      <p:childTnLst>
+                        <p:par>
+                          <p:cTn id="30" fill="hold">
+                            <p:stCondLst>
+                              <p:cond delay="0"/>
+                            </p:stCondLst>
+                            <p:childTnLst>
+                              <p:par>
+                                <p:cTn id="31" presetID="1" presetClass="entr" presetSubtype="0" fill="hold" grpId="0" nodeType="clickEffect">
+                                  <p:stCondLst>
+                                    <p:cond delay="0"/>
+                                  </p:stCondLst>
+                                  <p:childTnLst>
+                                    <p:set>
+                                      <p:cBhvr>
+                                        <p:cTn id="32" dur="1" fill="hold">
+                                          <p:stCondLst>
+                                            <p:cond delay="0"/>
+                                          </p:stCondLst>
+                                        </p:cTn>
+                                        <p:tgtEl>
+                                          <p:spTgt spid="3">
+                                            <p:txEl>
+                                              <p:pRg st="4" end="4"/>
                                             </p:txEl>
                                           </p:spTgt>
                                         </p:tgtEl>
@@ -15564,13 +15625,16 @@
           <a:bodyPr/>
           <a:lstStyle/>
           <a:p>
+            <a:pPr marL="0" indent="0">
+              <a:buNone/>
+            </a:pPr>
             <a:r>
               <a:rPr lang="en-US" dirty="0"/>
-              <a:t>Improve collaboration between analysts/</a:t>
+              <a:t>  Improve collaboration between analysts/</a:t>
             </a:r>
             <a:r>
               <a:rPr lang="en-US" dirty="0" err="1"/>
-              <a:t>devs</a:t>
+              <a:t>developpers</a:t>
             </a:r>
             <a:r>
               <a:rPr lang="en-US" dirty="0"/>
@@ -15588,6 +15652,36 @@
           </a:p>
         </p:txBody>
       </p:sp>
+      <p:pic>
+        <p:nvPicPr>
+          <p:cNvPr id="7" name="Picture 6">
+            <a:extLst>
+              <a:ext uri="{FF2B5EF4-FFF2-40B4-BE49-F238E27FC236}">
+                <a16:creationId xmlns:a16="http://schemas.microsoft.com/office/drawing/2014/main" id="{72DCF2F4-83B8-4498-9E3E-FA1CA794393E}"/>
+              </a:ext>
+            </a:extLst>
+          </p:cNvPr>
+          <p:cNvPicPr>
+            <a:picLocks noChangeAspect="1"/>
+          </p:cNvPicPr>
+          <p:nvPr/>
+        </p:nvPicPr>
+        <p:blipFill>
+          <a:blip r:embed="rId2"/>
+          <a:stretch>
+            <a:fillRect/>
+          </a:stretch>
+        </p:blipFill>
+        <p:spPr>
+          <a:xfrm>
+            <a:off x="1446245" y="2712917"/>
+            <a:ext cx="6074567" cy="4061108"/>
+          </a:xfrm>
+          <a:prstGeom prst="rect">
+            <a:avLst/>
+          </a:prstGeom>
+        </p:spPr>
+      </p:pic>
     </p:spTree>
     <p:extLst>
       <p:ext uri="{BB962C8B-B14F-4D97-AF65-F5344CB8AC3E}">
@@ -15664,8 +15758,40 @@
         </p:nvSpPr>
         <p:spPr/>
         <p:txBody>
-          <a:bodyPr/>
+          <a:bodyPr>
+            <a:normAutofit fontScale="85000" lnSpcReduction="20000"/>
+          </a:bodyPr>
           <a:lstStyle/>
+          <a:p>
+            <a:r>
+              <a:rPr lang="en-US" dirty="0"/>
+              <a:t>Is ELSA a reliable framework for the long-term?</a:t>
+            </a:r>
+          </a:p>
+          <a:p>
+            <a:r>
+              <a:rPr lang="en-US" dirty="0"/>
+              <a:t>Will the future ELSA 2.0 be 100% backward compatible</a:t>
+            </a:r>
+          </a:p>
+          <a:p>
+            <a:r>
+              <a:rPr lang="en-US" dirty="0"/>
+              <a:t>Workflow strategy deployment from dev/test/acc to prod</a:t>
+            </a:r>
+          </a:p>
+          <a:p>
+            <a:r>
+              <a:rPr lang="en-US" dirty="0"/>
+              <a:t>Workflows are versioned but what about activities (.NET code)</a:t>
+            </a:r>
+          </a:p>
+          <a:p>
+            <a:r>
+              <a:rPr lang="en-US" dirty="0"/>
+              <a:t>What about transactions ? (saga)</a:t>
+            </a:r>
+          </a:p>
           <a:p>
             <a:r>
               <a:rPr lang="en-US" dirty="0"/>
@@ -15675,13 +15801,7 @@
           <a:p>
             <a:r>
               <a:rPr lang="en-US" dirty="0"/>
-              <a:t>What about transactions ? (saga)</a:t>
-            </a:r>
-          </a:p>
-          <a:p>
-            <a:r>
-              <a:rPr lang="en-US" dirty="0"/>
-              <a:t>Is ELSA a reliable framework for the long-term</a:t>
+              <a:t>We could add a channel on Teams to continue the discussion</a:t>
             </a:r>
           </a:p>
           <a:p>
